--- a/Figure-4-7/Figure47/Figure47_fullslide_169.pptx
+++ b/Figure-4-7/Figure47/Figure47_fullslide_169.pptx
@@ -685,6 +685,180 @@
             <a:r>
               <a:rPr/>
               <a:t>Subtitle:</a:t>
+            </a:r>
+            <a:r>
+              <a:rPr/>
+              <a:t> </a:t>
+            </a:r>
+            <a:r>
+              <a:rPr/>
+              <a:t>Value</a:t>
+            </a:r>
+            <a:r>
+              <a:rPr/>
+              <a:t> </a:t>
+            </a:r>
+            <a:r>
+              <a:rPr/>
+              <a:t>of</a:t>
+            </a:r>
+            <a:r>
+              <a:rPr/>
+              <a:t> </a:t>
+            </a:r>
+            <a:r>
+              <a:rPr/>
+              <a:t>pre-tax</a:t>
+            </a:r>
+            <a:r>
+              <a:rPr/>
+              <a:t> </a:t>
+            </a:r>
+            <a:r>
+              <a:rPr/>
+              <a:t>voluntary</a:t>
+            </a:r>
+            <a:r>
+              <a:rPr/>
+              <a:t> </a:t>
+            </a:r>
+            <a:r>
+              <a:rPr/>
+              <a:t>contributions</a:t>
+            </a:r>
+            <a:r>
+              <a:rPr/>
+              <a:t> </a:t>
+            </a:r>
+            <a:r>
+              <a:rPr/>
+              <a:t>to</a:t>
+            </a:r>
+            <a:r>
+              <a:rPr/>
+              <a:t> </a:t>
+            </a:r>
+            <a:r>
+              <a:rPr/>
+              <a:t>superannuation</a:t>
+            </a:r>
+            <a:r>
+              <a:rPr/>
+              <a:t> </a:t>
+            </a:r>
+            <a:r>
+              <a:rPr/>
+              <a:t>in</a:t>
+            </a:r>
+            <a:r>
+              <a:rPr/>
+              <a:t> </a:t>
+            </a:r>
+            <a:r>
+              <a:rPr/>
+              <a:t>excess</a:t>
+            </a:r>
+            <a:r>
+              <a:rPr/>
+              <a:t> </a:t>
+            </a:r>
+            <a:r>
+              <a:rPr/>
+              <a:t>of</a:t>
+            </a:r>
+            <a:r>
+              <a:rPr/>
+              <a:t> </a:t>
+            </a:r>
+            <a:r>
+              <a:rPr/>
+              <a:t>$11,000</a:t>
+            </a:r>
+            <a:r>
+              <a:rPr/>
+              <a:t> </a:t>
+            </a:r>
+            <a:r>
+              <a:rPr/>
+              <a:t>in</a:t>
+            </a:r>
+            <a:r>
+              <a:rPr/>
+              <a:t> </a:t>
+            </a:r>
+            <a:r>
+              <a:rPr/>
+              <a:t>a</a:t>
+            </a:r>
+            <a:r>
+              <a:rPr/>
+              <a:t> </a:t>
+            </a:r>
+            <a:r>
+              <a:rPr/>
+              <a:t>year,</a:t>
+            </a:r>
+            <a:r>
+              <a:rPr/>
+              <a:t> </a:t>
+            </a:r>
+            <a:r>
+              <a:rPr/>
+              <a:t>2020-21</a:t>
+            </a:r>
+          </a:p>
+          <a:p>
+            <a:pPr lvl="0" marL="0" indent="0">
+              <a:buNone/>
+            </a:pPr>
+          </a:p>
+          <a:p>
+            <a:pPr lvl="0" marL="0" indent="0">
+              <a:buNone/>
+            </a:pPr>
+            <a:r>
+              <a:rPr/>
+              <a:t>Source:</a:t>
+            </a:r>
+            <a:r>
+              <a:rPr/>
+              <a:t> </a:t>
+            </a:r>
+            <a:r>
+              <a:rPr/>
+              <a:t>ATO</a:t>
+            </a:r>
+            <a:r>
+              <a:rPr/>
+              <a:t> </a:t>
+            </a:r>
+            <a:r>
+              <a:rPr/>
+              <a:t>2017-18</a:t>
+            </a:r>
+            <a:r>
+              <a:rPr/>
+              <a:t> </a:t>
+            </a:r>
+            <a:r>
+              <a:rPr/>
+              <a:t>2%</a:t>
+            </a:r>
+            <a:r>
+              <a:rPr/>
+              <a:t> </a:t>
+            </a:r>
+            <a:r>
+              <a:rPr/>
+              <a:t>sample</a:t>
+            </a:r>
+            <a:r>
+              <a:rPr/>
+              <a:t> </a:t>
+            </a:r>
+            <a:r>
+              <a:rPr/>
+              <a:t>file</a:t>
             </a:r>
           </a:p>
           <a:p>
@@ -3943,7 +4117,7 @@
           <a:p>
             <a:r>
               <a:rPr/>
-              <a:t> </a:t>
+              <a:t/>
             </a:r>
           </a:p>
         </p:txBody>
@@ -3970,7 +4144,8 @@
           <a:p>
             <a:r>
               <a:rPr/>
-              <a:t> </a:t>
+              <a:t>Value of pre-tax voluntary contributions to superannuation in excess of
+$11,000 in a year, 2020-21</a:t>
             </a:r>
           </a:p>
         </p:txBody>
@@ -4032,8 +4207,8 @@
           </p:nvSpPr>
           <p:spPr>
             <a:xfrm>
-              <a:off x="3574050" y="1412776"/>
-              <a:ext cx="5353394" cy="5445224"/>
+              <a:off x="3727703" y="1412776"/>
+              <a:ext cx="5046088" cy="5445224"/>
             </a:xfrm>
             <a:prstGeom prst="rect">
               <a:avLst/>
@@ -4058,8 +4233,8 @@
           </p:nvSpPr>
           <p:spPr>
             <a:xfrm>
-              <a:off x="3632815" y="1504216"/>
-              <a:ext cx="5184901" cy="5184901"/>
+              <a:off x="3786469" y="1504215"/>
+              <a:ext cx="4877594" cy="4877594"/>
             </a:xfrm>
             <a:prstGeom prst="rect">
               <a:avLst/>
@@ -4084,222 +4259,222 @@
           </p:nvSpPr>
           <p:spPr>
             <a:xfrm>
-              <a:off x="6225266" y="2022706"/>
-              <a:ext cx="872035" cy="2073960"/>
+              <a:off x="6225266" y="1991975"/>
+              <a:ext cx="820350" cy="1951037"/>
             </a:xfrm>
             <a:custGeom>
               <a:avLst/>
               <a:pathLst>
-                <a:path w="872035" h="2073960">
+                <a:path w="820350" h="1951037">
                   <a:moveTo>
-                    <a:pt x="0" y="2073960"/>
+                    <a:pt x="0" y="1951037"/>
                   </a:moveTo>
                   <a:lnTo>
-                    <a:pt x="30070" y="2009073"/>
-                  </a:lnTo>
-                  <a:lnTo>
-                    <a:pt x="60140" y="1944186"/>
-                  </a:lnTo>
-                  <a:lnTo>
-                    <a:pt x="90210" y="1879300"/>
-                  </a:lnTo>
-                  <a:lnTo>
-                    <a:pt x="120280" y="1814413"/>
-                  </a:lnTo>
-                  <a:lnTo>
-                    <a:pt x="150350" y="1749526"/>
-                  </a:lnTo>
-                  <a:lnTo>
-                    <a:pt x="180421" y="1684639"/>
-                  </a:lnTo>
-                  <a:lnTo>
-                    <a:pt x="210491" y="1619752"/>
-                  </a:lnTo>
-                  <a:lnTo>
-                    <a:pt x="240561" y="1554865"/>
-                  </a:lnTo>
-                  <a:lnTo>
-                    <a:pt x="270631" y="1489978"/>
-                  </a:lnTo>
-                  <a:lnTo>
-                    <a:pt x="300701" y="1425091"/>
-                  </a:lnTo>
-                  <a:lnTo>
-                    <a:pt x="330772" y="1360205"/>
-                  </a:lnTo>
-                  <a:lnTo>
-                    <a:pt x="360842" y="1295318"/>
-                  </a:lnTo>
-                  <a:lnTo>
-                    <a:pt x="390912" y="1230431"/>
-                  </a:lnTo>
-                  <a:lnTo>
-                    <a:pt x="420982" y="1165544"/>
-                  </a:lnTo>
-                  <a:lnTo>
-                    <a:pt x="451052" y="1100657"/>
-                  </a:lnTo>
-                  <a:lnTo>
-                    <a:pt x="481123" y="1035770"/>
-                  </a:lnTo>
-                  <a:lnTo>
-                    <a:pt x="511193" y="970883"/>
-                  </a:lnTo>
-                  <a:lnTo>
-                    <a:pt x="541263" y="905997"/>
-                  </a:lnTo>
-                  <a:lnTo>
-                    <a:pt x="571333" y="841110"/>
-                  </a:lnTo>
-                  <a:lnTo>
-                    <a:pt x="601403" y="776223"/>
-                  </a:lnTo>
-                  <a:lnTo>
-                    <a:pt x="631473" y="711336"/>
-                  </a:lnTo>
-                  <a:lnTo>
-                    <a:pt x="661544" y="646449"/>
-                  </a:lnTo>
-                  <a:lnTo>
-                    <a:pt x="691614" y="581562"/>
-                  </a:lnTo>
-                  <a:lnTo>
-                    <a:pt x="721684" y="516675"/>
-                  </a:lnTo>
-                  <a:lnTo>
-                    <a:pt x="751754" y="451788"/>
-                  </a:lnTo>
-                  <a:lnTo>
-                    <a:pt x="781824" y="386902"/>
-                  </a:lnTo>
-                  <a:lnTo>
-                    <a:pt x="811895" y="322015"/>
-                  </a:lnTo>
-                  <a:lnTo>
-                    <a:pt x="841965" y="257128"/>
-                  </a:lnTo>
-                  <a:lnTo>
-                    <a:pt x="872035" y="192241"/>
-                  </a:lnTo>
-                  <a:lnTo>
-                    <a:pt x="803430" y="161942"/>
-                  </a:lnTo>
-                  <a:lnTo>
-                    <a:pt x="733775" y="134144"/>
-                  </a:lnTo>
-                  <a:lnTo>
-                    <a:pt x="663160" y="108882"/>
-                  </a:lnTo>
-                  <a:lnTo>
-                    <a:pt x="591678" y="86190"/>
-                  </a:lnTo>
-                  <a:lnTo>
-                    <a:pt x="519422" y="66097"/>
-                  </a:lnTo>
-                  <a:lnTo>
-                    <a:pt x="446487" y="48630"/>
-                  </a:lnTo>
-                  <a:lnTo>
-                    <a:pt x="372968" y="33811"/>
-                  </a:lnTo>
-                  <a:lnTo>
-                    <a:pt x="298961" y="21660"/>
-                  </a:lnTo>
-                  <a:lnTo>
-                    <a:pt x="224563" y="12193"/>
-                  </a:lnTo>
-                  <a:lnTo>
-                    <a:pt x="149872" y="5422"/>
-                  </a:lnTo>
-                  <a:lnTo>
-                    <a:pt x="74985" y="1356"/>
+                    <a:pt x="28287" y="1889996"/>
+                  </a:lnTo>
+                  <a:lnTo>
+                    <a:pt x="56575" y="1828955"/>
+                  </a:lnTo>
+                  <a:lnTo>
+                    <a:pt x="84863" y="1767914"/>
+                  </a:lnTo>
+                  <a:lnTo>
+                    <a:pt x="113151" y="1706873"/>
+                  </a:lnTo>
+                  <a:lnTo>
+                    <a:pt x="141439" y="1645832"/>
+                  </a:lnTo>
+                  <a:lnTo>
+                    <a:pt x="169727" y="1584791"/>
+                  </a:lnTo>
+                  <a:lnTo>
+                    <a:pt x="198015" y="1523750"/>
+                  </a:lnTo>
+                  <a:lnTo>
+                    <a:pt x="226303" y="1462709"/>
+                  </a:lnTo>
+                  <a:lnTo>
+                    <a:pt x="254591" y="1401668"/>
+                  </a:lnTo>
+                  <a:lnTo>
+                    <a:pt x="282879" y="1340627"/>
+                  </a:lnTo>
+                  <a:lnTo>
+                    <a:pt x="311167" y="1279586"/>
+                  </a:lnTo>
+                  <a:lnTo>
+                    <a:pt x="339455" y="1218545"/>
+                  </a:lnTo>
+                  <a:lnTo>
+                    <a:pt x="367743" y="1157504"/>
+                  </a:lnTo>
+                  <a:lnTo>
+                    <a:pt x="396031" y="1096463"/>
+                  </a:lnTo>
+                  <a:lnTo>
+                    <a:pt x="424319" y="1035422"/>
+                  </a:lnTo>
+                  <a:lnTo>
+                    <a:pt x="452607" y="974381"/>
+                  </a:lnTo>
+                  <a:lnTo>
+                    <a:pt x="480895" y="913340"/>
+                  </a:lnTo>
+                  <a:lnTo>
+                    <a:pt x="509182" y="852298"/>
+                  </a:lnTo>
+                  <a:lnTo>
+                    <a:pt x="537470" y="791257"/>
+                  </a:lnTo>
+                  <a:lnTo>
+                    <a:pt x="565758" y="730216"/>
+                  </a:lnTo>
+                  <a:lnTo>
+                    <a:pt x="594046" y="669175"/>
+                  </a:lnTo>
+                  <a:lnTo>
+                    <a:pt x="622334" y="608134"/>
+                  </a:lnTo>
+                  <a:lnTo>
+                    <a:pt x="650622" y="547093"/>
+                  </a:lnTo>
+                  <a:lnTo>
+                    <a:pt x="678910" y="486052"/>
+                  </a:lnTo>
+                  <a:lnTo>
+                    <a:pt x="707198" y="425011"/>
+                  </a:lnTo>
+                  <a:lnTo>
+                    <a:pt x="735486" y="363970"/>
+                  </a:lnTo>
+                  <a:lnTo>
+                    <a:pt x="763774" y="302929"/>
+                  </a:lnTo>
+                  <a:lnTo>
+                    <a:pt x="792062" y="241888"/>
+                  </a:lnTo>
+                  <a:lnTo>
+                    <a:pt x="820350" y="180847"/>
+                  </a:lnTo>
+                  <a:lnTo>
+                    <a:pt x="755811" y="152344"/>
+                  </a:lnTo>
+                  <a:lnTo>
+                    <a:pt x="690284" y="126193"/>
+                  </a:lnTo>
+                  <a:lnTo>
+                    <a:pt x="623854" y="102429"/>
+                  </a:lnTo>
+                  <a:lnTo>
+                    <a:pt x="556609" y="81082"/>
+                  </a:lnTo>
+                  <a:lnTo>
+                    <a:pt x="488636" y="62180"/>
+                  </a:lnTo>
+                  <a:lnTo>
+                    <a:pt x="420023" y="45748"/>
+                  </a:lnTo>
+                  <a:lnTo>
+                    <a:pt x="350862" y="31807"/>
+                  </a:lnTo>
+                  <a:lnTo>
+                    <a:pt x="281242" y="20376"/>
+                  </a:lnTo>
+                  <a:lnTo>
+                    <a:pt x="211253" y="11470"/>
+                  </a:lnTo>
+                  <a:lnTo>
+                    <a:pt x="140989" y="5100"/>
+                  </a:lnTo>
+                  <a:lnTo>
+                    <a:pt x="70540" y="1275"/>
                   </a:lnTo>
                   <a:lnTo>
                     <a:pt x="0" y="0"/>
                   </a:lnTo>
                   <a:lnTo>
-                    <a:pt x="0" y="71515"/>
-                  </a:lnTo>
-                  <a:lnTo>
-                    <a:pt x="0" y="143031"/>
-                  </a:lnTo>
-                  <a:lnTo>
-                    <a:pt x="0" y="214547"/>
-                  </a:lnTo>
-                  <a:lnTo>
-                    <a:pt x="0" y="286063"/>
-                  </a:lnTo>
-                  <a:lnTo>
-                    <a:pt x="0" y="357579"/>
-                  </a:lnTo>
-                  <a:lnTo>
-                    <a:pt x="0" y="429095"/>
-                  </a:lnTo>
-                  <a:lnTo>
-                    <a:pt x="0" y="500611"/>
-                  </a:lnTo>
-                  <a:lnTo>
-                    <a:pt x="0" y="572127"/>
-                  </a:lnTo>
-                  <a:lnTo>
-                    <a:pt x="0" y="643642"/>
-                  </a:lnTo>
-                  <a:lnTo>
-                    <a:pt x="0" y="715158"/>
-                  </a:lnTo>
-                  <a:lnTo>
-                    <a:pt x="0" y="786674"/>
-                  </a:lnTo>
-                  <a:lnTo>
-                    <a:pt x="0" y="858190"/>
-                  </a:lnTo>
-                  <a:lnTo>
-                    <a:pt x="0" y="929706"/>
-                  </a:lnTo>
-                  <a:lnTo>
-                    <a:pt x="0" y="1001222"/>
-                  </a:lnTo>
-                  <a:lnTo>
-                    <a:pt x="0" y="1072738"/>
-                  </a:lnTo>
-                  <a:lnTo>
-                    <a:pt x="0" y="1144254"/>
-                  </a:lnTo>
-                  <a:lnTo>
-                    <a:pt x="0" y="1215770"/>
-                  </a:lnTo>
-                  <a:lnTo>
-                    <a:pt x="0" y="1287285"/>
-                  </a:lnTo>
-                  <a:lnTo>
-                    <a:pt x="0" y="1358801"/>
-                  </a:lnTo>
-                  <a:lnTo>
-                    <a:pt x="0" y="1430317"/>
-                  </a:lnTo>
-                  <a:lnTo>
-                    <a:pt x="0" y="1501833"/>
-                  </a:lnTo>
-                  <a:lnTo>
-                    <a:pt x="0" y="1573349"/>
-                  </a:lnTo>
-                  <a:lnTo>
-                    <a:pt x="0" y="1644865"/>
-                  </a:lnTo>
-                  <a:lnTo>
-                    <a:pt x="0" y="1716381"/>
-                  </a:lnTo>
-                  <a:lnTo>
-                    <a:pt x="0" y="1787897"/>
-                  </a:lnTo>
-                  <a:lnTo>
-                    <a:pt x="0" y="1859412"/>
-                  </a:lnTo>
-                  <a:lnTo>
-                    <a:pt x="0" y="1930928"/>
-                  </a:lnTo>
-                  <a:lnTo>
-                    <a:pt x="0" y="2002444"/>
+                    <a:pt x="0" y="67277"/>
+                  </a:lnTo>
+                  <a:lnTo>
+                    <a:pt x="0" y="134554"/>
+                  </a:lnTo>
+                  <a:lnTo>
+                    <a:pt x="0" y="201831"/>
+                  </a:lnTo>
+                  <a:lnTo>
+                    <a:pt x="0" y="269108"/>
+                  </a:lnTo>
+                  <a:lnTo>
+                    <a:pt x="0" y="336385"/>
+                  </a:lnTo>
+                  <a:lnTo>
+                    <a:pt x="0" y="403663"/>
+                  </a:lnTo>
+                  <a:lnTo>
+                    <a:pt x="0" y="470940"/>
+                  </a:lnTo>
+                  <a:lnTo>
+                    <a:pt x="0" y="538217"/>
+                  </a:lnTo>
+                  <a:lnTo>
+                    <a:pt x="0" y="605494"/>
+                  </a:lnTo>
+                  <a:lnTo>
+                    <a:pt x="0" y="672771"/>
+                  </a:lnTo>
+                  <a:lnTo>
+                    <a:pt x="0" y="740048"/>
+                  </a:lnTo>
+                  <a:lnTo>
+                    <a:pt x="0" y="807326"/>
+                  </a:lnTo>
+                  <a:lnTo>
+                    <a:pt x="0" y="874603"/>
+                  </a:lnTo>
+                  <a:lnTo>
+                    <a:pt x="0" y="941880"/>
+                  </a:lnTo>
+                  <a:lnTo>
+                    <a:pt x="0" y="1009157"/>
+                  </a:lnTo>
+                  <a:lnTo>
+                    <a:pt x="0" y="1076434"/>
+                  </a:lnTo>
+                  <a:lnTo>
+                    <a:pt x="0" y="1143711"/>
+                  </a:lnTo>
+                  <a:lnTo>
+                    <a:pt x="0" y="1210989"/>
+                  </a:lnTo>
+                  <a:lnTo>
+                    <a:pt x="0" y="1278266"/>
+                  </a:lnTo>
+                  <a:lnTo>
+                    <a:pt x="0" y="1345543"/>
+                  </a:lnTo>
+                  <a:lnTo>
+                    <a:pt x="0" y="1412820"/>
+                  </a:lnTo>
+                  <a:lnTo>
+                    <a:pt x="0" y="1480097"/>
+                  </a:lnTo>
+                  <a:lnTo>
+                    <a:pt x="0" y="1547374"/>
+                  </a:lnTo>
+                  <a:lnTo>
+                    <a:pt x="0" y="1614652"/>
+                  </a:lnTo>
+                  <a:lnTo>
+                    <a:pt x="0" y="1681929"/>
+                  </a:lnTo>
+                  <a:lnTo>
+                    <a:pt x="0" y="1749206"/>
+                  </a:lnTo>
+                  <a:lnTo>
+                    <a:pt x="0" y="1816483"/>
+                  </a:lnTo>
+                  <a:lnTo>
+                    <a:pt x="0" y="1883760"/>
                   </a:lnTo>
                   <a:close/>
                 </a:path>
@@ -4334,270 +4509,270 @@
           </p:nvSpPr>
           <p:spPr>
             <a:xfrm>
-              <a:off x="6225266" y="2214947"/>
-              <a:ext cx="2039792" cy="1881719"/>
+              <a:off x="6225266" y="2172822"/>
+              <a:ext cx="1918895" cy="1770190"/>
             </a:xfrm>
             <a:custGeom>
               <a:avLst/>
               <a:pathLst>
-                <a:path w="2039792" h="1881719">
+                <a:path w="1918895" h="1770190">
                   <a:moveTo>
-                    <a:pt x="0" y="1881719"/>
+                    <a:pt x="0" y="1770190"/>
                   </a:moveTo>
                   <a:lnTo>
-                    <a:pt x="70337" y="1868791"/>
-                  </a:lnTo>
-                  <a:lnTo>
-                    <a:pt x="140675" y="1855863"/>
-                  </a:lnTo>
-                  <a:lnTo>
-                    <a:pt x="211013" y="1842935"/>
-                  </a:lnTo>
-                  <a:lnTo>
-                    <a:pt x="281350" y="1830007"/>
-                  </a:lnTo>
-                  <a:lnTo>
-                    <a:pt x="351688" y="1817079"/>
-                  </a:lnTo>
-                  <a:lnTo>
-                    <a:pt x="422026" y="1804151"/>
-                  </a:lnTo>
-                  <a:lnTo>
-                    <a:pt x="492363" y="1791223"/>
-                  </a:lnTo>
-                  <a:lnTo>
-                    <a:pt x="562701" y="1778295"/>
-                  </a:lnTo>
-                  <a:lnTo>
-                    <a:pt x="633039" y="1765367"/>
-                  </a:lnTo>
-                  <a:lnTo>
-                    <a:pt x="703376" y="1752439"/>
-                  </a:lnTo>
-                  <a:lnTo>
-                    <a:pt x="773714" y="1739511"/>
-                  </a:lnTo>
-                  <a:lnTo>
-                    <a:pt x="844052" y="1726583"/>
-                  </a:lnTo>
-                  <a:lnTo>
-                    <a:pt x="914389" y="1713655"/>
-                  </a:lnTo>
-                  <a:lnTo>
-                    <a:pt x="984727" y="1700727"/>
-                  </a:lnTo>
-                  <a:lnTo>
-                    <a:pt x="1055065" y="1687799"/>
-                  </a:lnTo>
-                  <a:lnTo>
-                    <a:pt x="1125402" y="1674871"/>
-                  </a:lnTo>
-                  <a:lnTo>
-                    <a:pt x="1195740" y="1661943"/>
-                  </a:lnTo>
-                  <a:lnTo>
-                    <a:pt x="1266078" y="1649015"/>
-                  </a:lnTo>
-                  <a:lnTo>
-                    <a:pt x="1336415" y="1636087"/>
-                  </a:lnTo>
-                  <a:lnTo>
-                    <a:pt x="1406753" y="1623159"/>
-                  </a:lnTo>
-                  <a:lnTo>
-                    <a:pt x="1477091" y="1610231"/>
-                  </a:lnTo>
-                  <a:lnTo>
-                    <a:pt x="1547428" y="1597303"/>
-                  </a:lnTo>
-                  <a:lnTo>
-                    <a:pt x="1617766" y="1584375"/>
-                  </a:lnTo>
-                  <a:lnTo>
-                    <a:pt x="1688104" y="1571447"/>
-                  </a:lnTo>
-                  <a:lnTo>
-                    <a:pt x="1758441" y="1558519"/>
-                  </a:lnTo>
-                  <a:lnTo>
-                    <a:pt x="1828779" y="1545591"/>
-                  </a:lnTo>
-                  <a:lnTo>
-                    <a:pt x="1899117" y="1532663"/>
-                  </a:lnTo>
-                  <a:lnTo>
-                    <a:pt x="1969454" y="1519735"/>
-                  </a:lnTo>
-                  <a:lnTo>
-                    <a:pt x="2039792" y="1506807"/>
-                  </a:lnTo>
-                  <a:lnTo>
-                    <a:pt x="2025820" y="1437462"/>
-                  </a:lnTo>
-                  <a:lnTo>
-                    <a:pt x="2009491" y="1368635"/>
-                  </a:lnTo>
-                  <a:lnTo>
-                    <a:pt x="1990825" y="1300404"/>
-                  </a:lnTo>
-                  <a:lnTo>
-                    <a:pt x="1969842" y="1232849"/>
-                  </a:lnTo>
-                  <a:lnTo>
-                    <a:pt x="1946568" y="1166049"/>
-                  </a:lnTo>
-                  <a:lnTo>
-                    <a:pt x="1921030" y="1100082"/>
-                  </a:lnTo>
-                  <a:lnTo>
-                    <a:pt x="1893256" y="1035024"/>
-                  </a:lnTo>
-                  <a:lnTo>
-                    <a:pt x="1863280" y="970951"/>
-                  </a:lnTo>
-                  <a:lnTo>
-                    <a:pt x="1831137" y="907938"/>
-                  </a:lnTo>
-                  <a:lnTo>
-                    <a:pt x="1796863" y="846057"/>
-                  </a:lnTo>
-                  <a:lnTo>
-                    <a:pt x="1760499" y="785382"/>
-                  </a:lnTo>
-                  <a:lnTo>
-                    <a:pt x="1722087" y="725981"/>
-                  </a:lnTo>
-                  <a:lnTo>
-                    <a:pt x="1681671" y="667926"/>
-                  </a:lnTo>
-                  <a:lnTo>
-                    <a:pt x="1639299" y="611282"/>
-                  </a:lnTo>
-                  <a:lnTo>
-                    <a:pt x="1595020" y="556116"/>
-                  </a:lnTo>
-                  <a:lnTo>
-                    <a:pt x="1548885" y="502492"/>
-                  </a:lnTo>
-                  <a:lnTo>
-                    <a:pt x="1500949" y="450473"/>
-                  </a:lnTo>
-                  <a:lnTo>
-                    <a:pt x="1451266" y="400119"/>
-                  </a:lnTo>
-                  <a:lnTo>
-                    <a:pt x="1399896" y="351489"/>
-                  </a:lnTo>
-                  <a:lnTo>
-                    <a:pt x="1346896" y="304638"/>
-                  </a:lnTo>
-                  <a:lnTo>
-                    <a:pt x="1292330" y="259623"/>
-                  </a:lnTo>
-                  <a:lnTo>
-                    <a:pt x="1236260" y="216494"/>
-                  </a:lnTo>
-                  <a:lnTo>
-                    <a:pt x="1178752" y="175303"/>
-                  </a:lnTo>
-                  <a:lnTo>
-                    <a:pt x="1119873" y="136096"/>
-                  </a:lnTo>
-                  <a:lnTo>
-                    <a:pt x="1059691" y="98921"/>
-                  </a:lnTo>
-                  <a:lnTo>
-                    <a:pt x="998276" y="63820"/>
-                  </a:lnTo>
-                  <a:lnTo>
-                    <a:pt x="935700" y="30833"/>
-                  </a:lnTo>
-                  <a:lnTo>
-                    <a:pt x="872035" y="0"/>
-                  </a:lnTo>
-                  <a:lnTo>
-                    <a:pt x="841965" y="64886"/>
-                  </a:lnTo>
-                  <a:lnTo>
-                    <a:pt x="811895" y="129773"/>
-                  </a:lnTo>
-                  <a:lnTo>
-                    <a:pt x="781824" y="194660"/>
-                  </a:lnTo>
-                  <a:lnTo>
-                    <a:pt x="751754" y="259547"/>
-                  </a:lnTo>
-                  <a:lnTo>
-                    <a:pt x="721684" y="324434"/>
-                  </a:lnTo>
-                  <a:lnTo>
-                    <a:pt x="691614" y="389321"/>
-                  </a:lnTo>
-                  <a:lnTo>
-                    <a:pt x="661544" y="454208"/>
-                  </a:lnTo>
-                  <a:lnTo>
-                    <a:pt x="631473" y="519094"/>
-                  </a:lnTo>
-                  <a:lnTo>
-                    <a:pt x="601403" y="583981"/>
-                  </a:lnTo>
-                  <a:lnTo>
-                    <a:pt x="571333" y="648868"/>
-                  </a:lnTo>
-                  <a:lnTo>
-                    <a:pt x="541263" y="713755"/>
-                  </a:lnTo>
-                  <a:lnTo>
-                    <a:pt x="511193" y="778642"/>
-                  </a:lnTo>
-                  <a:lnTo>
-                    <a:pt x="481123" y="843529"/>
-                  </a:lnTo>
-                  <a:lnTo>
-                    <a:pt x="451052" y="908416"/>
-                  </a:lnTo>
-                  <a:lnTo>
-                    <a:pt x="420982" y="973303"/>
-                  </a:lnTo>
-                  <a:lnTo>
-                    <a:pt x="390912" y="1038189"/>
-                  </a:lnTo>
-                  <a:lnTo>
-                    <a:pt x="360842" y="1103076"/>
-                  </a:lnTo>
-                  <a:lnTo>
-                    <a:pt x="330772" y="1167963"/>
-                  </a:lnTo>
-                  <a:lnTo>
-                    <a:pt x="300701" y="1232850"/>
-                  </a:lnTo>
-                  <a:lnTo>
-                    <a:pt x="270631" y="1297737"/>
-                  </a:lnTo>
-                  <a:lnTo>
-                    <a:pt x="240561" y="1362624"/>
-                  </a:lnTo>
-                  <a:lnTo>
-                    <a:pt x="210491" y="1427511"/>
-                  </a:lnTo>
-                  <a:lnTo>
-                    <a:pt x="180421" y="1492397"/>
-                  </a:lnTo>
-                  <a:lnTo>
-                    <a:pt x="150350" y="1557284"/>
-                  </a:lnTo>
-                  <a:lnTo>
-                    <a:pt x="120280" y="1622171"/>
-                  </a:lnTo>
-                  <a:lnTo>
-                    <a:pt x="90210" y="1687058"/>
-                  </a:lnTo>
-                  <a:lnTo>
-                    <a:pt x="60140" y="1751945"/>
-                  </a:lnTo>
-                  <a:lnTo>
-                    <a:pt x="30070" y="1816832"/>
+                    <a:pt x="66168" y="1758028"/>
+                  </a:lnTo>
+                  <a:lnTo>
+                    <a:pt x="132337" y="1745866"/>
+                  </a:lnTo>
+                  <a:lnTo>
+                    <a:pt x="198506" y="1733705"/>
+                  </a:lnTo>
+                  <a:lnTo>
+                    <a:pt x="264675" y="1721543"/>
+                  </a:lnTo>
+                  <a:lnTo>
+                    <a:pt x="330843" y="1709381"/>
+                  </a:lnTo>
+                  <a:lnTo>
+                    <a:pt x="397012" y="1697219"/>
+                  </a:lnTo>
+                  <a:lnTo>
+                    <a:pt x="463181" y="1685058"/>
+                  </a:lnTo>
+                  <a:lnTo>
+                    <a:pt x="529350" y="1672896"/>
+                  </a:lnTo>
+                  <a:lnTo>
+                    <a:pt x="595519" y="1660734"/>
+                  </a:lnTo>
+                  <a:lnTo>
+                    <a:pt x="661687" y="1648572"/>
+                  </a:lnTo>
+                  <a:lnTo>
+                    <a:pt x="727856" y="1636411"/>
+                  </a:lnTo>
+                  <a:lnTo>
+                    <a:pt x="794025" y="1624249"/>
+                  </a:lnTo>
+                  <a:lnTo>
+                    <a:pt x="860194" y="1612087"/>
+                  </a:lnTo>
+                  <a:lnTo>
+                    <a:pt x="926363" y="1599925"/>
+                  </a:lnTo>
+                  <a:lnTo>
+                    <a:pt x="992531" y="1587764"/>
+                  </a:lnTo>
+                  <a:lnTo>
+                    <a:pt x="1058700" y="1575602"/>
+                  </a:lnTo>
+                  <a:lnTo>
+                    <a:pt x="1124869" y="1563440"/>
+                  </a:lnTo>
+                  <a:lnTo>
+                    <a:pt x="1191038" y="1551279"/>
+                  </a:lnTo>
+                  <a:lnTo>
+                    <a:pt x="1257207" y="1539117"/>
+                  </a:lnTo>
+                  <a:lnTo>
+                    <a:pt x="1323375" y="1526955"/>
+                  </a:lnTo>
+                  <a:lnTo>
+                    <a:pt x="1389544" y="1514793"/>
+                  </a:lnTo>
+                  <a:lnTo>
+                    <a:pt x="1455713" y="1502632"/>
+                  </a:lnTo>
+                  <a:lnTo>
+                    <a:pt x="1521882" y="1490470"/>
+                  </a:lnTo>
+                  <a:lnTo>
+                    <a:pt x="1588051" y="1478308"/>
+                  </a:lnTo>
+                  <a:lnTo>
+                    <a:pt x="1654219" y="1466146"/>
+                  </a:lnTo>
+                  <a:lnTo>
+                    <a:pt x="1720388" y="1453985"/>
+                  </a:lnTo>
+                  <a:lnTo>
+                    <a:pt x="1786557" y="1441823"/>
+                  </a:lnTo>
+                  <a:lnTo>
+                    <a:pt x="1852726" y="1429661"/>
+                  </a:lnTo>
+                  <a:lnTo>
+                    <a:pt x="1918895" y="1417499"/>
+                  </a:lnTo>
+                  <a:lnTo>
+                    <a:pt x="1905751" y="1352265"/>
+                  </a:lnTo>
+                  <a:lnTo>
+                    <a:pt x="1890390" y="1287516"/>
+                  </a:lnTo>
+                  <a:lnTo>
+                    <a:pt x="1872830" y="1223329"/>
+                  </a:lnTo>
+                  <a:lnTo>
+                    <a:pt x="1853091" y="1159779"/>
+                  </a:lnTo>
+                  <a:lnTo>
+                    <a:pt x="1831196" y="1096938"/>
+                  </a:lnTo>
+                  <a:lnTo>
+                    <a:pt x="1807171" y="1034881"/>
+                  </a:lnTo>
+                  <a:lnTo>
+                    <a:pt x="1781044" y="973679"/>
+                  </a:lnTo>
+                  <a:lnTo>
+                    <a:pt x="1752845" y="913403"/>
+                  </a:lnTo>
+                  <a:lnTo>
+                    <a:pt x="1722606" y="854125"/>
+                  </a:lnTo>
+                  <a:lnTo>
+                    <a:pt x="1690364" y="795912"/>
+                  </a:lnTo>
+                  <a:lnTo>
+                    <a:pt x="1656155" y="738832"/>
+                  </a:lnTo>
+                  <a:lnTo>
+                    <a:pt x="1620019" y="682953"/>
+                  </a:lnTo>
+                  <a:lnTo>
+                    <a:pt x="1581999" y="628338"/>
+                  </a:lnTo>
+                  <a:lnTo>
+                    <a:pt x="1542138" y="575051"/>
+                  </a:lnTo>
+                  <a:lnTo>
+                    <a:pt x="1500484" y="523155"/>
+                  </a:lnTo>
+                  <a:lnTo>
+                    <a:pt x="1457084" y="472710"/>
+                  </a:lnTo>
+                  <a:lnTo>
+                    <a:pt x="1411988" y="423774"/>
+                  </a:lnTo>
+                  <a:lnTo>
+                    <a:pt x="1365250" y="376404"/>
+                  </a:lnTo>
+                  <a:lnTo>
+                    <a:pt x="1316924" y="330656"/>
+                  </a:lnTo>
+                  <a:lnTo>
+                    <a:pt x="1267066" y="286582"/>
+                  </a:lnTo>
+                  <a:lnTo>
+                    <a:pt x="1215734" y="244235"/>
+                  </a:lnTo>
+                  <a:lnTo>
+                    <a:pt x="1162987" y="203663"/>
+                  </a:lnTo>
+                  <a:lnTo>
+                    <a:pt x="1108888" y="164913"/>
+                  </a:lnTo>
+                  <a:lnTo>
+                    <a:pt x="1053498" y="128030"/>
+                  </a:lnTo>
+                  <a:lnTo>
+                    <a:pt x="996883" y="93058"/>
+                  </a:lnTo>
+                  <a:lnTo>
+                    <a:pt x="939108" y="60037"/>
+                  </a:lnTo>
+                  <a:lnTo>
+                    <a:pt x="880241" y="29005"/>
+                  </a:lnTo>
+                  <a:lnTo>
+                    <a:pt x="820350" y="0"/>
+                  </a:lnTo>
+                  <a:lnTo>
+                    <a:pt x="792062" y="61041"/>
+                  </a:lnTo>
+                  <a:lnTo>
+                    <a:pt x="763774" y="122082"/>
+                  </a:lnTo>
+                  <a:lnTo>
+                    <a:pt x="735486" y="183123"/>
+                  </a:lnTo>
+                  <a:lnTo>
+                    <a:pt x="707198" y="244164"/>
+                  </a:lnTo>
+                  <a:lnTo>
+                    <a:pt x="678910" y="305205"/>
+                  </a:lnTo>
+                  <a:lnTo>
+                    <a:pt x="650622" y="366246"/>
+                  </a:lnTo>
+                  <a:lnTo>
+                    <a:pt x="622334" y="427287"/>
+                  </a:lnTo>
+                  <a:lnTo>
+                    <a:pt x="594046" y="488328"/>
+                  </a:lnTo>
+                  <a:lnTo>
+                    <a:pt x="565758" y="549369"/>
+                  </a:lnTo>
+                  <a:lnTo>
+                    <a:pt x="537470" y="610410"/>
+                  </a:lnTo>
+                  <a:lnTo>
+                    <a:pt x="509182" y="671451"/>
+                  </a:lnTo>
+                  <a:lnTo>
+                    <a:pt x="480895" y="732492"/>
+                  </a:lnTo>
+                  <a:lnTo>
+                    <a:pt x="452607" y="793533"/>
+                  </a:lnTo>
+                  <a:lnTo>
+                    <a:pt x="424319" y="854574"/>
+                  </a:lnTo>
+                  <a:lnTo>
+                    <a:pt x="396031" y="915615"/>
+                  </a:lnTo>
+                  <a:lnTo>
+                    <a:pt x="367743" y="976656"/>
+                  </a:lnTo>
+                  <a:lnTo>
+                    <a:pt x="339455" y="1037697"/>
+                  </a:lnTo>
+                  <a:lnTo>
+                    <a:pt x="311167" y="1098738"/>
+                  </a:lnTo>
+                  <a:lnTo>
+                    <a:pt x="282879" y="1159779"/>
+                  </a:lnTo>
+                  <a:lnTo>
+                    <a:pt x="254591" y="1220821"/>
+                  </a:lnTo>
+                  <a:lnTo>
+                    <a:pt x="226303" y="1281862"/>
+                  </a:lnTo>
+                  <a:lnTo>
+                    <a:pt x="198015" y="1342903"/>
+                  </a:lnTo>
+                  <a:lnTo>
+                    <a:pt x="169727" y="1403944"/>
+                  </a:lnTo>
+                  <a:lnTo>
+                    <a:pt x="141439" y="1464985"/>
+                  </a:lnTo>
+                  <a:lnTo>
+                    <a:pt x="113151" y="1526026"/>
+                  </a:lnTo>
+                  <a:lnTo>
+                    <a:pt x="84863" y="1587067"/>
+                  </a:lnTo>
+                  <a:lnTo>
+                    <a:pt x="56575" y="1648108"/>
+                  </a:lnTo>
+                  <a:lnTo>
+                    <a:pt x="28287" y="1709149"/>
                   </a:lnTo>
                   <a:close/>
                 </a:path>
@@ -4632,327 +4807,327 @@
           </p:nvSpPr>
           <p:spPr>
             <a:xfrm>
-              <a:off x="6225266" y="3721755"/>
-              <a:ext cx="2073841" cy="2427209"/>
+              <a:off x="6225266" y="3590322"/>
+              <a:ext cx="1950925" cy="2283349"/>
             </a:xfrm>
             <a:custGeom>
               <a:avLst/>
               <a:pathLst>
-                <a:path w="2073841" h="2427209">
+                <a:path w="1950925" h="2283349">
                   <a:moveTo>
-                    <a:pt x="0" y="374911"/>
+                    <a:pt x="0" y="352690"/>
                   </a:moveTo>
                   <a:lnTo>
-                    <a:pt x="10309" y="445680"/>
-                  </a:lnTo>
-                  <a:lnTo>
-                    <a:pt x="20619" y="516449"/>
-                  </a:lnTo>
-                  <a:lnTo>
-                    <a:pt x="30928" y="587218"/>
-                  </a:lnTo>
-                  <a:lnTo>
-                    <a:pt x="41238" y="657987"/>
-                  </a:lnTo>
-                  <a:lnTo>
-                    <a:pt x="51547" y="728755"/>
-                  </a:lnTo>
-                  <a:lnTo>
-                    <a:pt x="61857" y="799524"/>
-                  </a:lnTo>
-                  <a:lnTo>
-                    <a:pt x="72166" y="870293"/>
-                  </a:lnTo>
-                  <a:lnTo>
-                    <a:pt x="82476" y="941062"/>
-                  </a:lnTo>
-                  <a:lnTo>
-                    <a:pt x="92785" y="1011831"/>
-                  </a:lnTo>
-                  <a:lnTo>
-                    <a:pt x="103095" y="1082600"/>
-                  </a:lnTo>
-                  <a:lnTo>
-                    <a:pt x="113404" y="1153369"/>
-                  </a:lnTo>
-                  <a:lnTo>
-                    <a:pt x="123714" y="1224138"/>
-                  </a:lnTo>
-                  <a:lnTo>
-                    <a:pt x="134023" y="1294907"/>
-                  </a:lnTo>
-                  <a:lnTo>
-                    <a:pt x="144333" y="1365675"/>
-                  </a:lnTo>
-                  <a:lnTo>
-                    <a:pt x="154642" y="1436444"/>
-                  </a:lnTo>
-                  <a:lnTo>
-                    <a:pt x="164952" y="1507213"/>
-                  </a:lnTo>
-                  <a:lnTo>
-                    <a:pt x="175261" y="1577982"/>
-                  </a:lnTo>
-                  <a:lnTo>
-                    <a:pt x="185571" y="1648751"/>
-                  </a:lnTo>
-                  <a:lnTo>
-                    <a:pt x="195880" y="1719520"/>
-                  </a:lnTo>
-                  <a:lnTo>
-                    <a:pt x="206190" y="1790289"/>
-                  </a:lnTo>
-                  <a:lnTo>
-                    <a:pt x="216500" y="1861058"/>
-                  </a:lnTo>
-                  <a:lnTo>
-                    <a:pt x="226809" y="1931827"/>
-                  </a:lnTo>
-                  <a:lnTo>
-                    <a:pt x="237119" y="2002595"/>
-                  </a:lnTo>
-                  <a:lnTo>
-                    <a:pt x="247428" y="2073364"/>
-                  </a:lnTo>
-                  <a:lnTo>
-                    <a:pt x="257738" y="2144133"/>
-                  </a:lnTo>
-                  <a:lnTo>
-                    <a:pt x="268047" y="2214902"/>
-                  </a:lnTo>
-                  <a:lnTo>
-                    <a:pt x="278357" y="2285671"/>
-                  </a:lnTo>
-                  <a:lnTo>
-                    <a:pt x="288666" y="2356440"/>
-                  </a:lnTo>
-                  <a:lnTo>
-                    <a:pt x="298976" y="2427209"/>
-                  </a:lnTo>
-                  <a:lnTo>
-                    <a:pt x="368998" y="2415782"/>
-                  </a:lnTo>
-                  <a:lnTo>
-                    <a:pt x="438588" y="2401966"/>
-                  </a:lnTo>
-                  <a:lnTo>
-                    <a:pt x="507665" y="2385779"/>
-                  </a:lnTo>
-                  <a:lnTo>
-                    <a:pt x="576148" y="2367238"/>
-                  </a:lnTo>
-                  <a:lnTo>
-                    <a:pt x="643956" y="2346365"/>
-                  </a:lnTo>
-                  <a:lnTo>
-                    <a:pt x="711011" y="2323186"/>
-                  </a:lnTo>
-                  <a:lnTo>
-                    <a:pt x="777234" y="2297726"/>
-                  </a:lnTo>
-                  <a:lnTo>
-                    <a:pt x="842547" y="2270017"/>
-                  </a:lnTo>
-                  <a:lnTo>
-                    <a:pt x="906875" y="2240089"/>
-                  </a:lnTo>
-                  <a:lnTo>
-                    <a:pt x="970141" y="2207979"/>
-                  </a:lnTo>
-                  <a:lnTo>
-                    <a:pt x="1032272" y="2173724"/>
-                  </a:lnTo>
-                  <a:lnTo>
-                    <a:pt x="1093194" y="2137363"/>
-                  </a:lnTo>
-                  <a:lnTo>
-                    <a:pt x="1152838" y="2098940"/>
-                  </a:lnTo>
-                  <a:lnTo>
-                    <a:pt x="1211132" y="2058500"/>
-                  </a:lnTo>
-                  <a:lnTo>
-                    <a:pt x="1268009" y="2016089"/>
-                  </a:lnTo>
-                  <a:lnTo>
-                    <a:pt x="1323402" y="1971758"/>
-                  </a:lnTo>
-                  <a:lnTo>
-                    <a:pt x="1377246" y="1925557"/>
-                  </a:lnTo>
-                  <a:lnTo>
-                    <a:pt x="1429479" y="1877543"/>
-                  </a:lnTo>
-                  <a:lnTo>
-                    <a:pt x="1480039" y="1827769"/>
-                  </a:lnTo>
-                  <a:lnTo>
-                    <a:pt x="1528866" y="1776296"/>
-                  </a:lnTo>
-                  <a:lnTo>
-                    <a:pt x="1575905" y="1723182"/>
-                  </a:lnTo>
-                  <a:lnTo>
-                    <a:pt x="1621099" y="1668491"/>
-                  </a:lnTo>
-                  <a:lnTo>
-                    <a:pt x="1664396" y="1612286"/>
-                  </a:lnTo>
-                  <a:lnTo>
-                    <a:pt x="1705745" y="1554633"/>
-                  </a:lnTo>
-                  <a:lnTo>
-                    <a:pt x="1745099" y="1495599"/>
-                  </a:lnTo>
-                  <a:lnTo>
-                    <a:pt x="1782410" y="1435254"/>
-                  </a:lnTo>
-                  <a:lnTo>
-                    <a:pt x="1817635" y="1373668"/>
-                  </a:lnTo>
-                  <a:lnTo>
-                    <a:pt x="1850733" y="1310913"/>
-                  </a:lnTo>
-                  <a:lnTo>
-                    <a:pt x="1881665" y="1247062"/>
-                  </a:lnTo>
-                  <a:lnTo>
-                    <a:pt x="1910395" y="1182191"/>
-                  </a:lnTo>
-                  <a:lnTo>
-                    <a:pt x="1936889" y="1116376"/>
-                  </a:lnTo>
-                  <a:lnTo>
-                    <a:pt x="1961117" y="1049692"/>
-                  </a:lnTo>
-                  <a:lnTo>
-                    <a:pt x="1983050" y="982219"/>
-                  </a:lnTo>
-                  <a:lnTo>
-                    <a:pt x="2002662" y="914036"/>
-                  </a:lnTo>
-                  <a:lnTo>
-                    <a:pt x="2019931" y="845221"/>
-                  </a:lnTo>
-                  <a:lnTo>
-                    <a:pt x="2034835" y="775856"/>
-                  </a:lnTo>
-                  <a:lnTo>
-                    <a:pt x="2047358" y="706022"/>
-                  </a:lnTo>
-                  <a:lnTo>
-                    <a:pt x="2057486" y="635800"/>
-                  </a:lnTo>
-                  <a:lnTo>
-                    <a:pt x="2065205" y="565273"/>
-                  </a:lnTo>
-                  <a:lnTo>
-                    <a:pt x="2070508" y="494523"/>
-                  </a:lnTo>
-                  <a:lnTo>
-                    <a:pt x="2073388" y="423633"/>
-                  </a:lnTo>
-                  <a:lnTo>
-                    <a:pt x="2073841" y="352686"/>
-                  </a:lnTo>
-                  <a:lnTo>
-                    <a:pt x="2071867" y="281765"/>
-                  </a:lnTo>
-                  <a:lnTo>
-                    <a:pt x="2067469" y="210953"/>
-                  </a:lnTo>
-                  <a:lnTo>
-                    <a:pt x="2060651" y="140334"/>
-                  </a:lnTo>
-                  <a:lnTo>
-                    <a:pt x="2051422" y="69988"/>
-                  </a:lnTo>
-                  <a:lnTo>
-                    <a:pt x="2039792" y="0"/>
-                  </a:lnTo>
-                  <a:lnTo>
-                    <a:pt x="1969454" y="12927"/>
-                  </a:lnTo>
-                  <a:lnTo>
-                    <a:pt x="1899117" y="25855"/>
-                  </a:lnTo>
-                  <a:lnTo>
-                    <a:pt x="1828779" y="38783"/>
-                  </a:lnTo>
-                  <a:lnTo>
-                    <a:pt x="1758441" y="51711"/>
-                  </a:lnTo>
-                  <a:lnTo>
-                    <a:pt x="1688104" y="64639"/>
-                  </a:lnTo>
-                  <a:lnTo>
-                    <a:pt x="1617766" y="77567"/>
-                  </a:lnTo>
-                  <a:lnTo>
-                    <a:pt x="1547428" y="90495"/>
-                  </a:lnTo>
-                  <a:lnTo>
-                    <a:pt x="1477091" y="103423"/>
-                  </a:lnTo>
-                  <a:lnTo>
-                    <a:pt x="1406753" y="116351"/>
-                  </a:lnTo>
-                  <a:lnTo>
-                    <a:pt x="1336415" y="129279"/>
-                  </a:lnTo>
-                  <a:lnTo>
-                    <a:pt x="1266078" y="142207"/>
-                  </a:lnTo>
-                  <a:lnTo>
-                    <a:pt x="1195740" y="155135"/>
-                  </a:lnTo>
-                  <a:lnTo>
-                    <a:pt x="1125402" y="168063"/>
-                  </a:lnTo>
-                  <a:lnTo>
-                    <a:pt x="1055065" y="180991"/>
-                  </a:lnTo>
-                  <a:lnTo>
-                    <a:pt x="984727" y="193919"/>
-                  </a:lnTo>
-                  <a:lnTo>
-                    <a:pt x="914389" y="206847"/>
-                  </a:lnTo>
-                  <a:lnTo>
-                    <a:pt x="844052" y="219775"/>
-                  </a:lnTo>
-                  <a:lnTo>
-                    <a:pt x="773714" y="232703"/>
-                  </a:lnTo>
-                  <a:lnTo>
-                    <a:pt x="703376" y="245631"/>
-                  </a:lnTo>
-                  <a:lnTo>
-                    <a:pt x="633039" y="258559"/>
-                  </a:lnTo>
-                  <a:lnTo>
-                    <a:pt x="562701" y="271487"/>
-                  </a:lnTo>
-                  <a:lnTo>
-                    <a:pt x="492363" y="284415"/>
-                  </a:lnTo>
-                  <a:lnTo>
-                    <a:pt x="422026" y="297343"/>
-                  </a:lnTo>
-                  <a:lnTo>
-                    <a:pt x="351688" y="310271"/>
-                  </a:lnTo>
-                  <a:lnTo>
-                    <a:pt x="281350" y="323199"/>
-                  </a:lnTo>
-                  <a:lnTo>
-                    <a:pt x="211013" y="336127"/>
-                  </a:lnTo>
-                  <a:lnTo>
-                    <a:pt x="140675" y="349055"/>
-                  </a:lnTo>
-                  <a:lnTo>
-                    <a:pt x="70337" y="361983"/>
+                    <a:pt x="9698" y="419265"/>
+                  </a:lnTo>
+                  <a:lnTo>
+                    <a:pt x="19396" y="485839"/>
+                  </a:lnTo>
+                  <a:lnTo>
+                    <a:pt x="29095" y="552414"/>
+                  </a:lnTo>
+                  <a:lnTo>
+                    <a:pt x="38793" y="618988"/>
+                  </a:lnTo>
+                  <a:lnTo>
+                    <a:pt x="48492" y="685562"/>
+                  </a:lnTo>
+                  <a:lnTo>
+                    <a:pt x="58190" y="752137"/>
+                  </a:lnTo>
+                  <a:lnTo>
+                    <a:pt x="67889" y="818711"/>
+                  </a:lnTo>
+                  <a:lnTo>
+                    <a:pt x="77587" y="885286"/>
+                  </a:lnTo>
+                  <a:lnTo>
+                    <a:pt x="87286" y="951860"/>
+                  </a:lnTo>
+                  <a:lnTo>
+                    <a:pt x="96984" y="1018435"/>
+                  </a:lnTo>
+                  <a:lnTo>
+                    <a:pt x="106683" y="1085009"/>
+                  </a:lnTo>
+                  <a:lnTo>
+                    <a:pt x="116381" y="1151584"/>
+                  </a:lnTo>
+                  <a:lnTo>
+                    <a:pt x="126080" y="1218158"/>
+                  </a:lnTo>
+                  <a:lnTo>
+                    <a:pt x="135778" y="1284732"/>
+                  </a:lnTo>
+                  <a:lnTo>
+                    <a:pt x="145477" y="1351307"/>
+                  </a:lnTo>
+                  <a:lnTo>
+                    <a:pt x="155175" y="1417881"/>
+                  </a:lnTo>
+                  <a:lnTo>
+                    <a:pt x="164874" y="1484456"/>
+                  </a:lnTo>
+                  <a:lnTo>
+                    <a:pt x="174572" y="1551030"/>
+                  </a:lnTo>
+                  <a:lnTo>
+                    <a:pt x="184271" y="1617605"/>
+                  </a:lnTo>
+                  <a:lnTo>
+                    <a:pt x="193969" y="1684179"/>
+                  </a:lnTo>
+                  <a:lnTo>
+                    <a:pt x="203668" y="1750754"/>
+                  </a:lnTo>
+                  <a:lnTo>
+                    <a:pt x="213366" y="1817328"/>
+                  </a:lnTo>
+                  <a:lnTo>
+                    <a:pt x="223065" y="1883902"/>
+                  </a:lnTo>
+                  <a:lnTo>
+                    <a:pt x="232763" y="1950477"/>
+                  </a:lnTo>
+                  <a:lnTo>
+                    <a:pt x="242462" y="2017051"/>
+                  </a:lnTo>
+                  <a:lnTo>
+                    <a:pt x="252160" y="2083626"/>
+                  </a:lnTo>
+                  <a:lnTo>
+                    <a:pt x="261859" y="2150200"/>
+                  </a:lnTo>
+                  <a:lnTo>
+                    <a:pt x="271557" y="2216775"/>
+                  </a:lnTo>
+                  <a:lnTo>
+                    <a:pt x="281256" y="2283349"/>
+                  </a:lnTo>
+                  <a:lnTo>
+                    <a:pt x="347127" y="2272599"/>
+                  </a:lnTo>
+                  <a:lnTo>
+                    <a:pt x="412593" y="2259603"/>
+                  </a:lnTo>
+                  <a:lnTo>
+                    <a:pt x="477576" y="2244375"/>
+                  </a:lnTo>
+                  <a:lnTo>
+                    <a:pt x="542000" y="2226933"/>
+                  </a:lnTo>
+                  <a:lnTo>
+                    <a:pt x="605789" y="2207297"/>
+                  </a:lnTo>
+                  <a:lnTo>
+                    <a:pt x="668870" y="2185492"/>
+                  </a:lnTo>
+                  <a:lnTo>
+                    <a:pt x="731168" y="2161541"/>
+                  </a:lnTo>
+                  <a:lnTo>
+                    <a:pt x="792610" y="2135474"/>
+                  </a:lnTo>
+                  <a:lnTo>
+                    <a:pt x="853125" y="2107320"/>
+                  </a:lnTo>
+                  <a:lnTo>
+                    <a:pt x="912641" y="2077113"/>
+                  </a:lnTo>
+                  <a:lnTo>
+                    <a:pt x="971089" y="2044888"/>
+                  </a:lnTo>
+                  <a:lnTo>
+                    <a:pt x="1028401" y="2010683"/>
+                  </a:lnTo>
+                  <a:lnTo>
+                    <a:pt x="1084509" y="1974537"/>
+                  </a:lnTo>
+                  <a:lnTo>
+                    <a:pt x="1139349" y="1936493"/>
+                  </a:lnTo>
+                  <a:lnTo>
+                    <a:pt x="1192855" y="1896596"/>
+                  </a:lnTo>
+                  <a:lnTo>
+                    <a:pt x="1244964" y="1854892"/>
+                  </a:lnTo>
+                  <a:lnTo>
+                    <a:pt x="1295617" y="1811430"/>
+                  </a:lnTo>
+                  <a:lnTo>
+                    <a:pt x="1344754" y="1766261"/>
+                  </a:lnTo>
+                  <a:lnTo>
+                    <a:pt x="1392317" y="1719438"/>
+                  </a:lnTo>
+                  <a:lnTo>
+                    <a:pt x="1438251" y="1671016"/>
+                  </a:lnTo>
+                  <a:lnTo>
+                    <a:pt x="1482501" y="1621050"/>
+                  </a:lnTo>
+                  <a:lnTo>
+                    <a:pt x="1525017" y="1569600"/>
+                  </a:lnTo>
+                  <a:lnTo>
+                    <a:pt x="1565748" y="1516726"/>
+                  </a:lnTo>
+                  <a:lnTo>
+                    <a:pt x="1604647" y="1462490"/>
+                  </a:lnTo>
+                  <a:lnTo>
+                    <a:pt x="1641667" y="1406956"/>
+                  </a:lnTo>
+                  <a:lnTo>
+                    <a:pt x="1676767" y="1350187"/>
+                  </a:lnTo>
+                  <a:lnTo>
+                    <a:pt x="1709904" y="1292251"/>
+                  </a:lnTo>
+                  <a:lnTo>
+                    <a:pt x="1741041" y="1233215"/>
+                  </a:lnTo>
+                  <a:lnTo>
+                    <a:pt x="1770139" y="1173150"/>
+                  </a:lnTo>
+                  <a:lnTo>
+                    <a:pt x="1797167" y="1112123"/>
+                  </a:lnTo>
+                  <a:lnTo>
+                    <a:pt x="1822091" y="1050209"/>
+                  </a:lnTo>
+                  <a:lnTo>
+                    <a:pt x="1844883" y="987478"/>
+                  </a:lnTo>
+                  <a:lnTo>
+                    <a:pt x="1865515" y="924004"/>
+                  </a:lnTo>
+                  <a:lnTo>
+                    <a:pt x="1883965" y="859861"/>
+                  </a:lnTo>
+                  <a:lnTo>
+                    <a:pt x="1900210" y="795125"/>
+                  </a:lnTo>
+                  <a:lnTo>
+                    <a:pt x="1914231" y="729871"/>
+                  </a:lnTo>
+                  <a:lnTo>
+                    <a:pt x="1926012" y="664176"/>
+                  </a:lnTo>
+                  <a:lnTo>
+                    <a:pt x="1935539" y="598116"/>
+                  </a:lnTo>
+                  <a:lnTo>
+                    <a:pt x="1942801" y="531769"/>
+                  </a:lnTo>
+                  <a:lnTo>
+                    <a:pt x="1947790" y="465213"/>
+                  </a:lnTo>
+                  <a:lnTo>
+                    <a:pt x="1950499" y="398524"/>
+                  </a:lnTo>
+                  <a:lnTo>
+                    <a:pt x="1950925" y="331783"/>
+                  </a:lnTo>
+                  <a:lnTo>
+                    <a:pt x="1949069" y="265065"/>
+                  </a:lnTo>
+                  <a:lnTo>
+                    <a:pt x="1944931" y="198450"/>
+                  </a:lnTo>
+                  <a:lnTo>
+                    <a:pt x="1938517" y="132016"/>
+                  </a:lnTo>
+                  <a:lnTo>
+                    <a:pt x="1929835" y="65840"/>
+                  </a:lnTo>
+                  <a:lnTo>
+                    <a:pt x="1918895" y="0"/>
+                  </a:lnTo>
+                  <a:lnTo>
+                    <a:pt x="1852726" y="12161"/>
+                  </a:lnTo>
+                  <a:lnTo>
+                    <a:pt x="1786557" y="24323"/>
+                  </a:lnTo>
+                  <a:lnTo>
+                    <a:pt x="1720388" y="36485"/>
+                  </a:lnTo>
+                  <a:lnTo>
+                    <a:pt x="1654219" y="48646"/>
+                  </a:lnTo>
+                  <a:lnTo>
+                    <a:pt x="1588051" y="60808"/>
+                  </a:lnTo>
+                  <a:lnTo>
+                    <a:pt x="1521882" y="72970"/>
+                  </a:lnTo>
+                  <a:lnTo>
+                    <a:pt x="1455713" y="85132"/>
+                  </a:lnTo>
+                  <a:lnTo>
+                    <a:pt x="1389544" y="97293"/>
+                  </a:lnTo>
+                  <a:lnTo>
+                    <a:pt x="1323375" y="109455"/>
+                  </a:lnTo>
+                  <a:lnTo>
+                    <a:pt x="1257207" y="121617"/>
+                  </a:lnTo>
+                  <a:lnTo>
+                    <a:pt x="1191038" y="133779"/>
+                  </a:lnTo>
+                  <a:lnTo>
+                    <a:pt x="1124869" y="145940"/>
+                  </a:lnTo>
+                  <a:lnTo>
+                    <a:pt x="1058700" y="158102"/>
+                  </a:lnTo>
+                  <a:lnTo>
+                    <a:pt x="992531" y="170264"/>
+                  </a:lnTo>
+                  <a:lnTo>
+                    <a:pt x="926363" y="182426"/>
+                  </a:lnTo>
+                  <a:lnTo>
+                    <a:pt x="860194" y="194587"/>
+                  </a:lnTo>
+                  <a:lnTo>
+                    <a:pt x="794025" y="206749"/>
+                  </a:lnTo>
+                  <a:lnTo>
+                    <a:pt x="727856" y="218911"/>
+                  </a:lnTo>
+                  <a:lnTo>
+                    <a:pt x="661687" y="231073"/>
+                  </a:lnTo>
+                  <a:lnTo>
+                    <a:pt x="595519" y="243234"/>
+                  </a:lnTo>
+                  <a:lnTo>
+                    <a:pt x="529350" y="255396"/>
+                  </a:lnTo>
+                  <a:lnTo>
+                    <a:pt x="463181" y="267558"/>
+                  </a:lnTo>
+                  <a:lnTo>
+                    <a:pt x="397012" y="279720"/>
+                  </a:lnTo>
+                  <a:lnTo>
+                    <a:pt x="330843" y="291881"/>
+                  </a:lnTo>
+                  <a:lnTo>
+                    <a:pt x="264675" y="304043"/>
+                  </a:lnTo>
+                  <a:lnTo>
+                    <a:pt x="198506" y="316205"/>
+                  </a:lnTo>
+                  <a:lnTo>
+                    <a:pt x="132337" y="328367"/>
+                  </a:lnTo>
+                  <a:lnTo>
+                    <a:pt x="66168" y="340528"/>
                   </a:lnTo>
                   <a:close/>
                 </a:path>
@@ -4987,306 +5162,306 @@
           </p:nvSpPr>
           <p:spPr>
             <a:xfrm>
-              <a:off x="4281944" y="4096666"/>
-              <a:ext cx="2242298" cy="2073880"/>
+              <a:off x="4397124" y="3943013"/>
+              <a:ext cx="2109398" cy="1950962"/>
             </a:xfrm>
             <a:custGeom>
               <a:avLst/>
               <a:pathLst>
-                <a:path w="2242298" h="2073880">
+                <a:path w="2109398" h="1950962">
                   <a:moveTo>
-                    <a:pt x="1943322" y="0"/>
+                    <a:pt x="1828142" y="0"/>
                   </a:moveTo>
                   <a:lnTo>
-                    <a:pt x="1876310" y="24980"/>
-                  </a:lnTo>
-                  <a:lnTo>
-                    <a:pt x="1809299" y="49961"/>
-                  </a:lnTo>
-                  <a:lnTo>
-                    <a:pt x="1742288" y="74941"/>
-                  </a:lnTo>
-                  <a:lnTo>
-                    <a:pt x="1675277" y="99922"/>
-                  </a:lnTo>
-                  <a:lnTo>
-                    <a:pt x="1608266" y="124903"/>
-                  </a:lnTo>
-                  <a:lnTo>
-                    <a:pt x="1541255" y="149883"/>
-                  </a:lnTo>
-                  <a:lnTo>
-                    <a:pt x="1474244" y="174864"/>
-                  </a:lnTo>
-                  <a:lnTo>
-                    <a:pt x="1407233" y="199845"/>
-                  </a:lnTo>
-                  <a:lnTo>
-                    <a:pt x="1340222" y="224825"/>
-                  </a:lnTo>
-                  <a:lnTo>
-                    <a:pt x="1273210" y="249806"/>
-                  </a:lnTo>
-                  <a:lnTo>
-                    <a:pt x="1206199" y="274787"/>
-                  </a:lnTo>
-                  <a:lnTo>
-                    <a:pt x="1139188" y="299767"/>
-                  </a:lnTo>
-                  <a:lnTo>
-                    <a:pt x="1072177" y="324748"/>
-                  </a:lnTo>
-                  <a:lnTo>
-                    <a:pt x="1005166" y="349729"/>
-                  </a:lnTo>
-                  <a:lnTo>
-                    <a:pt x="938155" y="374709"/>
-                  </a:lnTo>
-                  <a:lnTo>
-                    <a:pt x="871144" y="399690"/>
-                  </a:lnTo>
-                  <a:lnTo>
-                    <a:pt x="804133" y="424671"/>
-                  </a:lnTo>
-                  <a:lnTo>
-                    <a:pt x="737122" y="449651"/>
-                  </a:lnTo>
-                  <a:lnTo>
-                    <a:pt x="670111" y="474632"/>
-                  </a:lnTo>
-                  <a:lnTo>
-                    <a:pt x="603099" y="499613"/>
-                  </a:lnTo>
-                  <a:lnTo>
-                    <a:pt x="536088" y="524593"/>
-                  </a:lnTo>
-                  <a:lnTo>
-                    <a:pt x="469077" y="549574"/>
-                  </a:lnTo>
-                  <a:lnTo>
-                    <a:pt x="402066" y="574555"/>
-                  </a:lnTo>
-                  <a:lnTo>
-                    <a:pt x="335055" y="599535"/>
-                  </a:lnTo>
-                  <a:lnTo>
-                    <a:pt x="268044" y="624516"/>
-                  </a:lnTo>
-                  <a:lnTo>
-                    <a:pt x="201033" y="649497"/>
-                  </a:lnTo>
-                  <a:lnTo>
-                    <a:pt x="134022" y="674477"/>
-                  </a:lnTo>
-                  <a:lnTo>
-                    <a:pt x="67011" y="699458"/>
-                  </a:lnTo>
-                  <a:lnTo>
-                    <a:pt x="0" y="724439"/>
-                  </a:lnTo>
-                  <a:lnTo>
-                    <a:pt x="25722" y="790015"/>
-                  </a:lnTo>
-                  <a:lnTo>
-                    <a:pt x="53656" y="854679"/>
-                  </a:lnTo>
-                  <a:lnTo>
-                    <a:pt x="83770" y="918358"/>
-                  </a:lnTo>
-                  <a:lnTo>
-                    <a:pt x="116030" y="980977"/>
-                  </a:lnTo>
-                  <a:lnTo>
-                    <a:pt x="150397" y="1042465"/>
-                  </a:lnTo>
-                  <a:lnTo>
-                    <a:pt x="186832" y="1102750"/>
-                  </a:lnTo>
-                  <a:lnTo>
-                    <a:pt x="225294" y="1161763"/>
-                  </a:lnTo>
-                  <a:lnTo>
-                    <a:pt x="265738" y="1219436"/>
-                  </a:lnTo>
-                  <a:lnTo>
-                    <a:pt x="308116" y="1275702"/>
-                  </a:lnTo>
-                  <a:lnTo>
-                    <a:pt x="352381" y="1330496"/>
-                  </a:lnTo>
-                  <a:lnTo>
-                    <a:pt x="398482" y="1383756"/>
-                  </a:lnTo>
-                  <a:lnTo>
-                    <a:pt x="446364" y="1435420"/>
-                  </a:lnTo>
-                  <a:lnTo>
-                    <a:pt x="495973" y="1485427"/>
-                  </a:lnTo>
-                  <a:lnTo>
-                    <a:pt x="547252" y="1533721"/>
-                  </a:lnTo>
-                  <a:lnTo>
-                    <a:pt x="600141" y="1580246"/>
-                  </a:lnTo>
-                  <a:lnTo>
-                    <a:pt x="654580" y="1624948"/>
-                  </a:lnTo>
-                  <a:lnTo>
-                    <a:pt x="710505" y="1667776"/>
-                  </a:lnTo>
-                  <a:lnTo>
-                    <a:pt x="767853" y="1708679"/>
-                  </a:lnTo>
-                  <a:lnTo>
-                    <a:pt x="826556" y="1747612"/>
-                  </a:lnTo>
-                  <a:lnTo>
-                    <a:pt x="886548" y="1784528"/>
-                  </a:lnTo>
-                  <a:lnTo>
-                    <a:pt x="947759" y="1819386"/>
-                  </a:lnTo>
-                  <a:lnTo>
-                    <a:pt x="1010118" y="1852145"/>
-                  </a:lnTo>
-                  <a:lnTo>
-                    <a:pt x="1073554" y="1882768"/>
-                  </a:lnTo>
-                  <a:lnTo>
-                    <a:pt x="1137993" y="1911219"/>
-                  </a:lnTo>
-                  <a:lnTo>
-                    <a:pt x="1203361" y="1937465"/>
-                  </a:lnTo>
-                  <a:lnTo>
-                    <a:pt x="1269582" y="1961476"/>
-                  </a:lnTo>
-                  <a:lnTo>
-                    <a:pt x="1336581" y="1983224"/>
-                  </a:lnTo>
-                  <a:lnTo>
-                    <a:pt x="1404280" y="2002684"/>
-                  </a:lnTo>
-                  <a:lnTo>
-                    <a:pt x="1472601" y="2019835"/>
-                  </a:lnTo>
-                  <a:lnTo>
-                    <a:pt x="1541464" y="2034655"/>
-                  </a:lnTo>
-                  <a:lnTo>
-                    <a:pt x="1610791" y="2047128"/>
-                  </a:lnTo>
-                  <a:lnTo>
-                    <a:pt x="1680502" y="2057240"/>
-                  </a:lnTo>
-                  <a:lnTo>
-                    <a:pt x="1750516" y="2064979"/>
-                  </a:lnTo>
-                  <a:lnTo>
-                    <a:pt x="1820752" y="2070335"/>
-                  </a:lnTo>
-                  <a:lnTo>
-                    <a:pt x="1891130" y="2073303"/>
-                  </a:lnTo>
-                  <a:lnTo>
-                    <a:pt x="1961568" y="2073880"/>
-                  </a:lnTo>
-                  <a:lnTo>
-                    <a:pt x="2031985" y="2072064"/>
-                  </a:lnTo>
-                  <a:lnTo>
-                    <a:pt x="2102300" y="2067858"/>
-                  </a:lnTo>
-                  <a:lnTo>
-                    <a:pt x="2172431" y="2061267"/>
-                  </a:lnTo>
-                  <a:lnTo>
-                    <a:pt x="2242298" y="2052297"/>
-                  </a:lnTo>
-                  <a:lnTo>
-                    <a:pt x="2231988" y="1981528"/>
-                  </a:lnTo>
-                  <a:lnTo>
-                    <a:pt x="2221679" y="1910759"/>
-                  </a:lnTo>
-                  <a:lnTo>
-                    <a:pt x="2211369" y="1839991"/>
-                  </a:lnTo>
-                  <a:lnTo>
-                    <a:pt x="2201060" y="1769222"/>
-                  </a:lnTo>
-                  <a:lnTo>
-                    <a:pt x="2190750" y="1698453"/>
-                  </a:lnTo>
-                  <a:lnTo>
-                    <a:pt x="2180441" y="1627684"/>
-                  </a:lnTo>
-                  <a:lnTo>
-                    <a:pt x="2170131" y="1556915"/>
-                  </a:lnTo>
-                  <a:lnTo>
-                    <a:pt x="2159822" y="1486146"/>
-                  </a:lnTo>
-                  <a:lnTo>
-                    <a:pt x="2149512" y="1415377"/>
-                  </a:lnTo>
-                  <a:lnTo>
-                    <a:pt x="2139202" y="1344608"/>
-                  </a:lnTo>
-                  <a:lnTo>
-                    <a:pt x="2128893" y="1273839"/>
-                  </a:lnTo>
-                  <a:lnTo>
-                    <a:pt x="2118583" y="1203071"/>
-                  </a:lnTo>
-                  <a:lnTo>
-                    <a:pt x="2108274" y="1132302"/>
-                  </a:lnTo>
-                  <a:lnTo>
-                    <a:pt x="2097964" y="1061533"/>
-                  </a:lnTo>
-                  <a:lnTo>
-                    <a:pt x="2087655" y="990764"/>
-                  </a:lnTo>
-                  <a:lnTo>
-                    <a:pt x="2077345" y="919995"/>
-                  </a:lnTo>
-                  <a:lnTo>
-                    <a:pt x="2067036" y="849226"/>
-                  </a:lnTo>
-                  <a:lnTo>
-                    <a:pt x="2056726" y="778457"/>
-                  </a:lnTo>
-                  <a:lnTo>
-                    <a:pt x="2046417" y="707688"/>
-                  </a:lnTo>
-                  <a:lnTo>
-                    <a:pt x="2036107" y="636919"/>
-                  </a:lnTo>
-                  <a:lnTo>
-                    <a:pt x="2025798" y="566151"/>
-                  </a:lnTo>
-                  <a:lnTo>
-                    <a:pt x="2015488" y="495382"/>
-                  </a:lnTo>
-                  <a:lnTo>
-                    <a:pt x="2005179" y="424613"/>
-                  </a:lnTo>
-                  <a:lnTo>
-                    <a:pt x="1994869" y="353844"/>
-                  </a:lnTo>
-                  <a:lnTo>
-                    <a:pt x="1984560" y="283075"/>
-                  </a:lnTo>
-                  <a:lnTo>
-                    <a:pt x="1974250" y="212306"/>
-                  </a:lnTo>
-                  <a:lnTo>
-                    <a:pt x="1963941" y="141537"/>
-                  </a:lnTo>
-                  <a:lnTo>
-                    <a:pt x="1953631" y="70768"/>
+                    <a:pt x="1765102" y="23500"/>
+                  </a:lnTo>
+                  <a:lnTo>
+                    <a:pt x="1702063" y="47000"/>
+                  </a:lnTo>
+                  <a:lnTo>
+                    <a:pt x="1639024" y="70500"/>
+                  </a:lnTo>
+                  <a:lnTo>
+                    <a:pt x="1575984" y="94000"/>
+                  </a:lnTo>
+                  <a:lnTo>
+                    <a:pt x="1512945" y="117500"/>
+                  </a:lnTo>
+                  <a:lnTo>
+                    <a:pt x="1449905" y="141000"/>
+                  </a:lnTo>
+                  <a:lnTo>
+                    <a:pt x="1386866" y="164500"/>
+                  </a:lnTo>
+                  <a:lnTo>
+                    <a:pt x="1323827" y="188000"/>
+                  </a:lnTo>
+                  <a:lnTo>
+                    <a:pt x="1260787" y="211500"/>
+                  </a:lnTo>
+                  <a:lnTo>
+                    <a:pt x="1197748" y="235000"/>
+                  </a:lnTo>
+                  <a:lnTo>
+                    <a:pt x="1134708" y="258500"/>
+                  </a:lnTo>
+                  <a:lnTo>
+                    <a:pt x="1071669" y="282000"/>
+                  </a:lnTo>
+                  <a:lnTo>
+                    <a:pt x="1008630" y="305500"/>
+                  </a:lnTo>
+                  <a:lnTo>
+                    <a:pt x="945590" y="329001"/>
+                  </a:lnTo>
+                  <a:lnTo>
+                    <a:pt x="882551" y="352501"/>
+                  </a:lnTo>
+                  <a:lnTo>
+                    <a:pt x="819512" y="376001"/>
+                  </a:lnTo>
+                  <a:lnTo>
+                    <a:pt x="756472" y="399501"/>
+                  </a:lnTo>
+                  <a:lnTo>
+                    <a:pt x="693433" y="423001"/>
+                  </a:lnTo>
+                  <a:lnTo>
+                    <a:pt x="630393" y="446501"/>
+                  </a:lnTo>
+                  <a:lnTo>
+                    <a:pt x="567354" y="470001"/>
+                  </a:lnTo>
+                  <a:lnTo>
+                    <a:pt x="504315" y="493501"/>
+                  </a:lnTo>
+                  <a:lnTo>
+                    <a:pt x="441275" y="517001"/>
+                  </a:lnTo>
+                  <a:lnTo>
+                    <a:pt x="378236" y="540501"/>
+                  </a:lnTo>
+                  <a:lnTo>
+                    <a:pt x="315196" y="564001"/>
+                  </a:lnTo>
+                  <a:lnTo>
+                    <a:pt x="252157" y="587501"/>
+                  </a:lnTo>
+                  <a:lnTo>
+                    <a:pt x="189118" y="611001"/>
+                  </a:lnTo>
+                  <a:lnTo>
+                    <a:pt x="126078" y="634501"/>
+                  </a:lnTo>
+                  <a:lnTo>
+                    <a:pt x="63039" y="658002"/>
+                  </a:lnTo>
+                  <a:lnTo>
+                    <a:pt x="0" y="681502"/>
+                  </a:lnTo>
+                  <a:lnTo>
+                    <a:pt x="24197" y="743191"/>
+                  </a:lnTo>
+                  <a:lnTo>
+                    <a:pt x="50476" y="804023"/>
+                  </a:lnTo>
+                  <a:lnTo>
+                    <a:pt x="78805" y="863927"/>
+                  </a:lnTo>
+                  <a:lnTo>
+                    <a:pt x="109153" y="922835"/>
+                  </a:lnTo>
+                  <a:lnTo>
+                    <a:pt x="141483" y="980678"/>
+                  </a:lnTo>
+                  <a:lnTo>
+                    <a:pt x="175759" y="1037390"/>
+                  </a:lnTo>
+                  <a:lnTo>
+                    <a:pt x="211941" y="1092906"/>
+                  </a:lnTo>
+                  <a:lnTo>
+                    <a:pt x="249987" y="1147160"/>
+                  </a:lnTo>
+                  <a:lnTo>
+                    <a:pt x="289854" y="1200092"/>
+                  </a:lnTo>
+                  <a:lnTo>
+                    <a:pt x="331496" y="1251638"/>
+                  </a:lnTo>
+                  <a:lnTo>
+                    <a:pt x="374864" y="1301742"/>
+                  </a:lnTo>
+                  <a:lnTo>
+                    <a:pt x="419908" y="1350343"/>
+                  </a:lnTo>
+                  <a:lnTo>
+                    <a:pt x="466577" y="1397387"/>
+                  </a:lnTo>
+                  <a:lnTo>
+                    <a:pt x="514817" y="1442818"/>
+                  </a:lnTo>
+                  <a:lnTo>
+                    <a:pt x="564571" y="1486586"/>
+                  </a:lnTo>
+                  <a:lnTo>
+                    <a:pt x="615783" y="1528638"/>
+                  </a:lnTo>
+                  <a:lnTo>
+                    <a:pt x="668394" y="1568927"/>
+                  </a:lnTo>
+                  <a:lnTo>
+                    <a:pt x="722342" y="1607406"/>
+                  </a:lnTo>
+                  <a:lnTo>
+                    <a:pt x="777567" y="1644031"/>
+                  </a:lnTo>
+                  <a:lnTo>
+                    <a:pt x="834003" y="1678760"/>
+                  </a:lnTo>
+                  <a:lnTo>
+                    <a:pt x="891585" y="1711552"/>
+                  </a:lnTo>
+                  <a:lnTo>
+                    <a:pt x="950249" y="1742369"/>
+                  </a:lnTo>
+                  <a:lnTo>
+                    <a:pt x="1009925" y="1771177"/>
+                  </a:lnTo>
+                  <a:lnTo>
+                    <a:pt x="1070544" y="1797941"/>
+                  </a:lnTo>
+                  <a:lnTo>
+                    <a:pt x="1132038" y="1822632"/>
+                  </a:lnTo>
+                  <a:lnTo>
+                    <a:pt x="1194335" y="1845220"/>
+                  </a:lnTo>
+                  <a:lnTo>
+                    <a:pt x="1257363" y="1865679"/>
+                  </a:lnTo>
+                  <a:lnTo>
+                    <a:pt x="1321049" y="1883986"/>
+                  </a:lnTo>
+                  <a:lnTo>
+                    <a:pt x="1385320" y="1900120"/>
+                  </a:lnTo>
+                  <a:lnTo>
+                    <a:pt x="1450102" y="1914062"/>
+                  </a:lnTo>
+                  <a:lnTo>
+                    <a:pt x="1515320" y="1925796"/>
+                  </a:lnTo>
+                  <a:lnTo>
+                    <a:pt x="1580899" y="1935308"/>
+                  </a:lnTo>
+                  <a:lnTo>
+                    <a:pt x="1646764" y="1942588"/>
+                  </a:lnTo>
+                  <a:lnTo>
+                    <a:pt x="1712837" y="1947627"/>
+                  </a:lnTo>
+                  <a:lnTo>
+                    <a:pt x="1779044" y="1950420"/>
+                  </a:lnTo>
+                  <a:lnTo>
+                    <a:pt x="1845307" y="1950962"/>
+                  </a:lnTo>
+                  <a:lnTo>
+                    <a:pt x="1911550" y="1949254"/>
+                  </a:lnTo>
+                  <a:lnTo>
+                    <a:pt x="1977697" y="1945297"/>
+                  </a:lnTo>
+                  <a:lnTo>
+                    <a:pt x="2043672" y="1939096"/>
+                  </a:lnTo>
+                  <a:lnTo>
+                    <a:pt x="2109398" y="1930658"/>
+                  </a:lnTo>
+                  <a:lnTo>
+                    <a:pt x="2099699" y="1864084"/>
+                  </a:lnTo>
+                  <a:lnTo>
+                    <a:pt x="2090001" y="1797510"/>
+                  </a:lnTo>
+                  <a:lnTo>
+                    <a:pt x="2080302" y="1730935"/>
+                  </a:lnTo>
+                  <a:lnTo>
+                    <a:pt x="2070604" y="1664361"/>
+                  </a:lnTo>
+                  <a:lnTo>
+                    <a:pt x="2060905" y="1597786"/>
+                  </a:lnTo>
+                  <a:lnTo>
+                    <a:pt x="2051207" y="1531212"/>
+                  </a:lnTo>
+                  <a:lnTo>
+                    <a:pt x="2041508" y="1464637"/>
+                  </a:lnTo>
+                  <a:lnTo>
+                    <a:pt x="2031810" y="1398063"/>
+                  </a:lnTo>
+                  <a:lnTo>
+                    <a:pt x="2022111" y="1331488"/>
+                  </a:lnTo>
+                  <a:lnTo>
+                    <a:pt x="2012413" y="1264914"/>
+                  </a:lnTo>
+                  <a:lnTo>
+                    <a:pt x="2002714" y="1198340"/>
+                  </a:lnTo>
+                  <a:lnTo>
+                    <a:pt x="1993016" y="1131765"/>
+                  </a:lnTo>
+                  <a:lnTo>
+                    <a:pt x="1983317" y="1065191"/>
+                  </a:lnTo>
+                  <a:lnTo>
+                    <a:pt x="1973619" y="998616"/>
+                  </a:lnTo>
+                  <a:lnTo>
+                    <a:pt x="1963920" y="932042"/>
+                  </a:lnTo>
+                  <a:lnTo>
+                    <a:pt x="1954222" y="865467"/>
+                  </a:lnTo>
+                  <a:lnTo>
+                    <a:pt x="1944523" y="798893"/>
+                  </a:lnTo>
+                  <a:lnTo>
+                    <a:pt x="1934825" y="732318"/>
+                  </a:lnTo>
+                  <a:lnTo>
+                    <a:pt x="1925126" y="665744"/>
+                  </a:lnTo>
+                  <a:lnTo>
+                    <a:pt x="1915428" y="599170"/>
+                  </a:lnTo>
+                  <a:lnTo>
+                    <a:pt x="1905730" y="532595"/>
+                  </a:lnTo>
+                  <a:lnTo>
+                    <a:pt x="1896031" y="466021"/>
+                  </a:lnTo>
+                  <a:lnTo>
+                    <a:pt x="1886333" y="399446"/>
+                  </a:lnTo>
+                  <a:lnTo>
+                    <a:pt x="1876634" y="332872"/>
+                  </a:lnTo>
+                  <a:lnTo>
+                    <a:pt x="1866936" y="266297"/>
+                  </a:lnTo>
+                  <a:lnTo>
+                    <a:pt x="1857237" y="199723"/>
+                  </a:lnTo>
+                  <a:lnTo>
+                    <a:pt x="1847539" y="133148"/>
+                  </a:lnTo>
+                  <a:lnTo>
+                    <a:pt x="1837840" y="66574"/>
                   </a:lnTo>
                   <a:close/>
                 </a:path>
@@ -5321,249 +5496,249 @@
           </p:nvSpPr>
           <p:spPr>
             <a:xfrm>
-              <a:off x="4151471" y="3354477"/>
-              <a:ext cx="2073795" cy="1466628"/>
+              <a:off x="4274384" y="3244813"/>
+              <a:ext cx="1950882" cy="1379702"/>
             </a:xfrm>
             <a:custGeom>
               <a:avLst/>
               <a:pathLst>
-                <a:path w="2073795" h="1466628">
+                <a:path w="1950882" h="1379702">
                   <a:moveTo>
-                    <a:pt x="2073795" y="742189"/>
+                    <a:pt x="1950882" y="698200"/>
                   </a:moveTo>
                   <a:lnTo>
-                    <a:pt x="2007015" y="716596"/>
-                  </a:lnTo>
-                  <a:lnTo>
-                    <a:pt x="1940235" y="691003"/>
-                  </a:lnTo>
-                  <a:lnTo>
-                    <a:pt x="1873455" y="665411"/>
-                  </a:lnTo>
-                  <a:lnTo>
-                    <a:pt x="1806676" y="639818"/>
-                  </a:lnTo>
-                  <a:lnTo>
-                    <a:pt x="1739896" y="614225"/>
-                  </a:lnTo>
-                  <a:lnTo>
-                    <a:pt x="1673116" y="588633"/>
-                  </a:lnTo>
-                  <a:lnTo>
-                    <a:pt x="1606336" y="563040"/>
-                  </a:lnTo>
-                  <a:lnTo>
-                    <a:pt x="1539557" y="537447"/>
-                  </a:lnTo>
-                  <a:lnTo>
-                    <a:pt x="1472777" y="511854"/>
-                  </a:lnTo>
-                  <a:lnTo>
-                    <a:pt x="1405997" y="486262"/>
-                  </a:lnTo>
-                  <a:lnTo>
-                    <a:pt x="1339217" y="460669"/>
-                  </a:lnTo>
-                  <a:lnTo>
-                    <a:pt x="1272438" y="435076"/>
-                  </a:lnTo>
-                  <a:lnTo>
-                    <a:pt x="1205658" y="409483"/>
-                  </a:lnTo>
-                  <a:lnTo>
-                    <a:pt x="1138878" y="383891"/>
-                  </a:lnTo>
-                  <a:lnTo>
-                    <a:pt x="1072099" y="358298"/>
-                  </a:lnTo>
-                  <a:lnTo>
-                    <a:pt x="1005319" y="332705"/>
-                  </a:lnTo>
-                  <a:lnTo>
-                    <a:pt x="938539" y="307112"/>
-                  </a:lnTo>
-                  <a:lnTo>
-                    <a:pt x="871759" y="281520"/>
-                  </a:lnTo>
-                  <a:lnTo>
-                    <a:pt x="804980" y="255927"/>
-                  </a:lnTo>
-                  <a:lnTo>
-                    <a:pt x="738200" y="230334"/>
-                  </a:lnTo>
-                  <a:lnTo>
-                    <a:pt x="671420" y="204741"/>
-                  </a:lnTo>
-                  <a:lnTo>
-                    <a:pt x="604640" y="179149"/>
-                  </a:lnTo>
-                  <a:lnTo>
-                    <a:pt x="537861" y="153556"/>
-                  </a:lnTo>
-                  <a:lnTo>
-                    <a:pt x="471081" y="127963"/>
-                  </a:lnTo>
-                  <a:lnTo>
-                    <a:pt x="404301" y="102370"/>
-                  </a:lnTo>
-                  <a:lnTo>
-                    <a:pt x="337521" y="76778"/>
-                  </a:lnTo>
-                  <a:lnTo>
-                    <a:pt x="270742" y="51185"/>
-                  </a:lnTo>
-                  <a:lnTo>
-                    <a:pt x="203962" y="25592"/>
-                  </a:lnTo>
-                  <a:lnTo>
-                    <a:pt x="137182" y="0"/>
-                  </a:lnTo>
-                  <a:lnTo>
-                    <a:pt x="112789" y="67083"/>
-                  </a:lnTo>
-                  <a:lnTo>
-                    <a:pt x="90718" y="134965"/>
-                  </a:lnTo>
-                  <a:lnTo>
-                    <a:pt x="70997" y="203567"/>
-                  </a:lnTo>
-                  <a:lnTo>
-                    <a:pt x="53648" y="272807"/>
-                  </a:lnTo>
-                  <a:lnTo>
-                    <a:pt x="38692" y="342603"/>
-                  </a:lnTo>
-                  <a:lnTo>
-                    <a:pt x="26146" y="412873"/>
-                  </a:lnTo>
-                  <a:lnTo>
-                    <a:pt x="16027" y="483532"/>
-                  </a:lnTo>
-                  <a:lnTo>
-                    <a:pt x="8344" y="554498"/>
-                  </a:lnTo>
-                  <a:lnTo>
-                    <a:pt x="3109" y="625686"/>
-                  </a:lnTo>
-                  <a:lnTo>
-                    <a:pt x="326" y="697013"/>
-                  </a:lnTo>
-                  <a:lnTo>
-                    <a:pt x="0" y="768392"/>
-                  </a:lnTo>
-                  <a:lnTo>
-                    <a:pt x="2129" y="839741"/>
-                  </a:lnTo>
-                  <a:lnTo>
-                    <a:pt x="6713" y="910974"/>
-                  </a:lnTo>
-                  <a:lnTo>
-                    <a:pt x="13746" y="982007"/>
-                  </a:lnTo>
-                  <a:lnTo>
-                    <a:pt x="23219" y="1052756"/>
-                  </a:lnTo>
-                  <a:lnTo>
-                    <a:pt x="35121" y="1123138"/>
-                  </a:lnTo>
-                  <a:lnTo>
-                    <a:pt x="49438" y="1193068"/>
-                  </a:lnTo>
-                  <a:lnTo>
-                    <a:pt x="66152" y="1262463"/>
-                  </a:lnTo>
-                  <a:lnTo>
-                    <a:pt x="85245" y="1331243"/>
-                  </a:lnTo>
-                  <a:lnTo>
-                    <a:pt x="106694" y="1399325"/>
-                  </a:lnTo>
-                  <a:lnTo>
-                    <a:pt x="130473" y="1466628"/>
-                  </a:lnTo>
-                  <a:lnTo>
-                    <a:pt x="197484" y="1441648"/>
-                  </a:lnTo>
-                  <a:lnTo>
-                    <a:pt x="264495" y="1416667"/>
-                  </a:lnTo>
-                  <a:lnTo>
-                    <a:pt x="331506" y="1391686"/>
-                  </a:lnTo>
-                  <a:lnTo>
-                    <a:pt x="398517" y="1366706"/>
-                  </a:lnTo>
-                  <a:lnTo>
-                    <a:pt x="465528" y="1341725"/>
-                  </a:lnTo>
-                  <a:lnTo>
-                    <a:pt x="532539" y="1316744"/>
-                  </a:lnTo>
-                  <a:lnTo>
-                    <a:pt x="599550" y="1291764"/>
-                  </a:lnTo>
-                  <a:lnTo>
-                    <a:pt x="666561" y="1266783"/>
-                  </a:lnTo>
-                  <a:lnTo>
-                    <a:pt x="733573" y="1241802"/>
-                  </a:lnTo>
-                  <a:lnTo>
-                    <a:pt x="800584" y="1216822"/>
-                  </a:lnTo>
-                  <a:lnTo>
-                    <a:pt x="867595" y="1191841"/>
-                  </a:lnTo>
-                  <a:lnTo>
-                    <a:pt x="934606" y="1166860"/>
-                  </a:lnTo>
-                  <a:lnTo>
-                    <a:pt x="1001617" y="1141880"/>
-                  </a:lnTo>
-                  <a:lnTo>
-                    <a:pt x="1068628" y="1116899"/>
-                  </a:lnTo>
-                  <a:lnTo>
-                    <a:pt x="1135639" y="1091918"/>
-                  </a:lnTo>
-                  <a:lnTo>
-                    <a:pt x="1202650" y="1066938"/>
-                  </a:lnTo>
-                  <a:lnTo>
-                    <a:pt x="1269661" y="1041957"/>
-                  </a:lnTo>
-                  <a:lnTo>
-                    <a:pt x="1336672" y="1016976"/>
-                  </a:lnTo>
-                  <a:lnTo>
-                    <a:pt x="1403684" y="991996"/>
-                  </a:lnTo>
-                  <a:lnTo>
-                    <a:pt x="1470695" y="967015"/>
-                  </a:lnTo>
-                  <a:lnTo>
-                    <a:pt x="1537706" y="942034"/>
-                  </a:lnTo>
-                  <a:lnTo>
-                    <a:pt x="1604717" y="917054"/>
-                  </a:lnTo>
-                  <a:lnTo>
-                    <a:pt x="1671728" y="892073"/>
-                  </a:lnTo>
-                  <a:lnTo>
-                    <a:pt x="1738739" y="867092"/>
-                  </a:lnTo>
-                  <a:lnTo>
-                    <a:pt x="1805750" y="842112"/>
-                  </a:lnTo>
-                  <a:lnTo>
-                    <a:pt x="1872761" y="817131"/>
-                  </a:lnTo>
-                  <a:lnTo>
-                    <a:pt x="1939772" y="792150"/>
-                  </a:lnTo>
-                  <a:lnTo>
-                    <a:pt x="2006784" y="767170"/>
+                    <a:pt x="1888060" y="674124"/>
+                  </a:lnTo>
+                  <a:lnTo>
+                    <a:pt x="1825238" y="650048"/>
+                  </a:lnTo>
+                  <a:lnTo>
+                    <a:pt x="1762416" y="625972"/>
+                  </a:lnTo>
+                  <a:lnTo>
+                    <a:pt x="1699595" y="601896"/>
+                  </a:lnTo>
+                  <a:lnTo>
+                    <a:pt x="1636773" y="577820"/>
+                  </a:lnTo>
+                  <a:lnTo>
+                    <a:pt x="1573951" y="553744"/>
+                  </a:lnTo>
+                  <a:lnTo>
+                    <a:pt x="1511130" y="529669"/>
+                  </a:lnTo>
+                  <a:lnTo>
+                    <a:pt x="1448308" y="505593"/>
+                  </a:lnTo>
+                  <a:lnTo>
+                    <a:pt x="1385486" y="481517"/>
+                  </a:lnTo>
+                  <a:lnTo>
+                    <a:pt x="1322664" y="457441"/>
+                  </a:lnTo>
+                  <a:lnTo>
+                    <a:pt x="1259843" y="433365"/>
+                  </a:lnTo>
+                  <a:lnTo>
+                    <a:pt x="1197021" y="409289"/>
+                  </a:lnTo>
+                  <a:lnTo>
+                    <a:pt x="1134199" y="385213"/>
+                  </a:lnTo>
+                  <a:lnTo>
+                    <a:pt x="1071377" y="361138"/>
+                  </a:lnTo>
+                  <a:lnTo>
+                    <a:pt x="1008556" y="337062"/>
+                  </a:lnTo>
+                  <a:lnTo>
+                    <a:pt x="945734" y="312986"/>
+                  </a:lnTo>
+                  <a:lnTo>
+                    <a:pt x="882912" y="288910"/>
+                  </a:lnTo>
+                  <a:lnTo>
+                    <a:pt x="820091" y="264834"/>
+                  </a:lnTo>
+                  <a:lnTo>
+                    <a:pt x="757269" y="240758"/>
+                  </a:lnTo>
+                  <a:lnTo>
+                    <a:pt x="694447" y="216682"/>
+                  </a:lnTo>
+                  <a:lnTo>
+                    <a:pt x="631625" y="192606"/>
+                  </a:lnTo>
+                  <a:lnTo>
+                    <a:pt x="568804" y="168531"/>
+                  </a:lnTo>
+                  <a:lnTo>
+                    <a:pt x="505982" y="144455"/>
+                  </a:lnTo>
+                  <a:lnTo>
+                    <a:pt x="443160" y="120379"/>
+                  </a:lnTo>
+                  <a:lnTo>
+                    <a:pt x="380338" y="96303"/>
+                  </a:lnTo>
+                  <a:lnTo>
+                    <a:pt x="317517" y="72227"/>
+                  </a:lnTo>
+                  <a:lnTo>
+                    <a:pt x="254695" y="48151"/>
+                  </a:lnTo>
+                  <a:lnTo>
+                    <a:pt x="191873" y="24075"/>
+                  </a:lnTo>
+                  <a:lnTo>
+                    <a:pt x="129051" y="0"/>
+                  </a:lnTo>
+                  <a:lnTo>
+                    <a:pt x="106104" y="63107"/>
+                  </a:lnTo>
+                  <a:lnTo>
+                    <a:pt x="85341" y="126966"/>
+                  </a:lnTo>
+                  <a:lnTo>
+                    <a:pt x="66789" y="191502"/>
+                  </a:lnTo>
+                  <a:lnTo>
+                    <a:pt x="50468" y="256638"/>
+                  </a:lnTo>
+                  <a:lnTo>
+                    <a:pt x="36398" y="322297"/>
+                  </a:lnTo>
+                  <a:lnTo>
+                    <a:pt x="24597" y="388402"/>
+                  </a:lnTo>
+                  <a:lnTo>
+                    <a:pt x="15077" y="454873"/>
+                  </a:lnTo>
+                  <a:lnTo>
+                    <a:pt x="7850" y="521633"/>
+                  </a:lnTo>
+                  <a:lnTo>
+                    <a:pt x="2924" y="588602"/>
+                  </a:lnTo>
+                  <a:lnTo>
+                    <a:pt x="307" y="655701"/>
+                  </a:lnTo>
+                  <a:lnTo>
+                    <a:pt x="0" y="722850"/>
+                  </a:lnTo>
+                  <a:lnTo>
+                    <a:pt x="2003" y="789970"/>
+                  </a:lnTo>
+                  <a:lnTo>
+                    <a:pt x="6316" y="856981"/>
+                  </a:lnTo>
+                  <a:lnTo>
+                    <a:pt x="12931" y="923804"/>
+                  </a:lnTo>
+                  <a:lnTo>
+                    <a:pt x="21843" y="990360"/>
+                  </a:lnTo>
+                  <a:lnTo>
+                    <a:pt x="33039" y="1056570"/>
+                  </a:lnTo>
+                  <a:lnTo>
+                    <a:pt x="46507" y="1122355"/>
+                  </a:lnTo>
+                  <a:lnTo>
+                    <a:pt x="62232" y="1187638"/>
+                  </a:lnTo>
+                  <a:lnTo>
+                    <a:pt x="80193" y="1252341"/>
+                  </a:lnTo>
+                  <a:lnTo>
+                    <a:pt x="100370" y="1316387"/>
+                  </a:lnTo>
+                  <a:lnTo>
+                    <a:pt x="122740" y="1379702"/>
+                  </a:lnTo>
+                  <a:lnTo>
+                    <a:pt x="185779" y="1356202"/>
+                  </a:lnTo>
+                  <a:lnTo>
+                    <a:pt x="248818" y="1332702"/>
+                  </a:lnTo>
+                  <a:lnTo>
+                    <a:pt x="311858" y="1309202"/>
+                  </a:lnTo>
+                  <a:lnTo>
+                    <a:pt x="374897" y="1285702"/>
+                  </a:lnTo>
+                  <a:lnTo>
+                    <a:pt x="437936" y="1262201"/>
+                  </a:lnTo>
+                  <a:lnTo>
+                    <a:pt x="500976" y="1238701"/>
+                  </a:lnTo>
+                  <a:lnTo>
+                    <a:pt x="564015" y="1215201"/>
+                  </a:lnTo>
+                  <a:lnTo>
+                    <a:pt x="627055" y="1191701"/>
+                  </a:lnTo>
+                  <a:lnTo>
+                    <a:pt x="690094" y="1168201"/>
+                  </a:lnTo>
+                  <a:lnTo>
+                    <a:pt x="753133" y="1144701"/>
+                  </a:lnTo>
+                  <a:lnTo>
+                    <a:pt x="816173" y="1121201"/>
+                  </a:lnTo>
+                  <a:lnTo>
+                    <a:pt x="879212" y="1097701"/>
+                  </a:lnTo>
+                  <a:lnTo>
+                    <a:pt x="942252" y="1074201"/>
+                  </a:lnTo>
+                  <a:lnTo>
+                    <a:pt x="1005291" y="1050701"/>
+                  </a:lnTo>
+                  <a:lnTo>
+                    <a:pt x="1068330" y="1027201"/>
+                  </a:lnTo>
+                  <a:lnTo>
+                    <a:pt x="1131370" y="1003701"/>
+                  </a:lnTo>
+                  <a:lnTo>
+                    <a:pt x="1194409" y="980201"/>
+                  </a:lnTo>
+                  <a:lnTo>
+                    <a:pt x="1257448" y="956701"/>
+                  </a:lnTo>
+                  <a:lnTo>
+                    <a:pt x="1320488" y="933200"/>
+                  </a:lnTo>
+                  <a:lnTo>
+                    <a:pt x="1383527" y="909700"/>
+                  </a:lnTo>
+                  <a:lnTo>
+                    <a:pt x="1446567" y="886200"/>
+                  </a:lnTo>
+                  <a:lnTo>
+                    <a:pt x="1509606" y="862700"/>
+                  </a:lnTo>
+                  <a:lnTo>
+                    <a:pt x="1572645" y="839200"/>
+                  </a:lnTo>
+                  <a:lnTo>
+                    <a:pt x="1635685" y="815700"/>
+                  </a:lnTo>
+                  <a:lnTo>
+                    <a:pt x="1698724" y="792200"/>
+                  </a:lnTo>
+                  <a:lnTo>
+                    <a:pt x="1761764" y="768700"/>
+                  </a:lnTo>
+                  <a:lnTo>
+                    <a:pt x="1824803" y="745200"/>
+                  </a:lnTo>
+                  <a:lnTo>
+                    <a:pt x="1887842" y="721700"/>
                   </a:lnTo>
                   <a:close/>
                 </a:path>
@@ -5598,231 +5773,231 @@
           </p:nvSpPr>
           <p:spPr>
             <a:xfrm>
-              <a:off x="4288654" y="2479851"/>
-              <a:ext cx="1936612" cy="1616815"/>
+              <a:off x="4403436" y="2422025"/>
+              <a:ext cx="1821830" cy="1520987"/>
             </a:xfrm>
             <a:custGeom>
               <a:avLst/>
               <a:pathLst>
-                <a:path w="1936612" h="1616815">
+                <a:path w="1821830" h="1520987">
                   <a:moveTo>
-                    <a:pt x="1936612" y="1616815"/>
+                    <a:pt x="1821830" y="1520987"/>
                   </a:moveTo>
                   <a:lnTo>
-                    <a:pt x="1891821" y="1561063"/>
-                  </a:lnTo>
-                  <a:lnTo>
-                    <a:pt x="1847030" y="1505311"/>
-                  </a:lnTo>
-                  <a:lnTo>
-                    <a:pt x="1802240" y="1449558"/>
-                  </a:lnTo>
-                  <a:lnTo>
-                    <a:pt x="1757449" y="1393806"/>
-                  </a:lnTo>
-                  <a:lnTo>
-                    <a:pt x="1712658" y="1338054"/>
-                  </a:lnTo>
-                  <a:lnTo>
-                    <a:pt x="1667868" y="1282302"/>
-                  </a:lnTo>
-                  <a:lnTo>
-                    <a:pt x="1623077" y="1226549"/>
-                  </a:lnTo>
-                  <a:lnTo>
-                    <a:pt x="1578286" y="1170797"/>
-                  </a:lnTo>
-                  <a:lnTo>
-                    <a:pt x="1533496" y="1115045"/>
-                  </a:lnTo>
-                  <a:lnTo>
-                    <a:pt x="1488705" y="1059292"/>
-                  </a:lnTo>
-                  <a:lnTo>
-                    <a:pt x="1443914" y="1003540"/>
-                  </a:lnTo>
-                  <a:lnTo>
-                    <a:pt x="1399123" y="947788"/>
-                  </a:lnTo>
-                  <a:lnTo>
-                    <a:pt x="1354333" y="892036"/>
-                  </a:lnTo>
-                  <a:lnTo>
-                    <a:pt x="1309542" y="836283"/>
-                  </a:lnTo>
-                  <a:lnTo>
-                    <a:pt x="1264751" y="780531"/>
-                  </a:lnTo>
-                  <a:lnTo>
-                    <a:pt x="1219961" y="724779"/>
-                  </a:lnTo>
-                  <a:lnTo>
-                    <a:pt x="1175170" y="669027"/>
-                  </a:lnTo>
-                  <a:lnTo>
-                    <a:pt x="1130379" y="613274"/>
-                  </a:lnTo>
-                  <a:lnTo>
-                    <a:pt x="1085589" y="557522"/>
-                  </a:lnTo>
-                  <a:lnTo>
-                    <a:pt x="1040798" y="501770"/>
-                  </a:lnTo>
-                  <a:lnTo>
-                    <a:pt x="996007" y="446018"/>
-                  </a:lnTo>
-                  <a:lnTo>
-                    <a:pt x="951216" y="390265"/>
-                  </a:lnTo>
-                  <a:lnTo>
-                    <a:pt x="906426" y="334513"/>
-                  </a:lnTo>
-                  <a:lnTo>
-                    <a:pt x="861635" y="278761"/>
-                  </a:lnTo>
-                  <a:lnTo>
-                    <a:pt x="816844" y="223009"/>
-                  </a:lnTo>
-                  <a:lnTo>
-                    <a:pt x="772054" y="167256"/>
-                  </a:lnTo>
-                  <a:lnTo>
-                    <a:pt x="727263" y="111504"/>
-                  </a:lnTo>
-                  <a:lnTo>
-                    <a:pt x="682472" y="55752"/>
-                  </a:lnTo>
-                  <a:lnTo>
-                    <a:pt x="637681" y="0"/>
-                  </a:lnTo>
-                  <a:lnTo>
-                    <a:pt x="581584" y="46715"/>
-                  </a:lnTo>
-                  <a:lnTo>
-                    <a:pt x="527166" y="95377"/>
-                  </a:lnTo>
-                  <a:lnTo>
-                    <a:pt x="474494" y="145923"/>
-                  </a:lnTo>
-                  <a:lnTo>
-                    <a:pt x="423633" y="198292"/>
-                  </a:lnTo>
-                  <a:lnTo>
-                    <a:pt x="374647" y="252418"/>
-                  </a:lnTo>
-                  <a:lnTo>
-                    <a:pt x="327596" y="308235"/>
-                  </a:lnTo>
-                  <a:lnTo>
-                    <a:pt x="282539" y="365673"/>
-                  </a:lnTo>
-                  <a:lnTo>
-                    <a:pt x="239531" y="424661"/>
-                  </a:lnTo>
-                  <a:lnTo>
-                    <a:pt x="198626" y="485127"/>
-                  </a:lnTo>
-                  <a:lnTo>
-                    <a:pt x="159874" y="546994"/>
-                  </a:lnTo>
-                  <a:lnTo>
-                    <a:pt x="123324" y="610187"/>
-                  </a:lnTo>
-                  <a:lnTo>
-                    <a:pt x="89020" y="674627"/>
-                  </a:lnTo>
-                  <a:lnTo>
-                    <a:pt x="57006" y="740235"/>
-                  </a:lnTo>
-                  <a:lnTo>
-                    <a:pt x="27320" y="806929"/>
-                  </a:lnTo>
-                  <a:lnTo>
-                    <a:pt x="0" y="874626"/>
-                  </a:lnTo>
-                  <a:lnTo>
-                    <a:pt x="66779" y="900218"/>
-                  </a:lnTo>
-                  <a:lnTo>
-                    <a:pt x="133559" y="925811"/>
-                  </a:lnTo>
-                  <a:lnTo>
-                    <a:pt x="200339" y="951404"/>
-                  </a:lnTo>
-                  <a:lnTo>
-                    <a:pt x="267118" y="976997"/>
-                  </a:lnTo>
-                  <a:lnTo>
-                    <a:pt x="333898" y="1002589"/>
-                  </a:lnTo>
-                  <a:lnTo>
-                    <a:pt x="400678" y="1028182"/>
-                  </a:lnTo>
-                  <a:lnTo>
-                    <a:pt x="467458" y="1053775"/>
-                  </a:lnTo>
-                  <a:lnTo>
-                    <a:pt x="534237" y="1079368"/>
-                  </a:lnTo>
-                  <a:lnTo>
-                    <a:pt x="601017" y="1104960"/>
-                  </a:lnTo>
-                  <a:lnTo>
-                    <a:pt x="667797" y="1130553"/>
-                  </a:lnTo>
-                  <a:lnTo>
-                    <a:pt x="734577" y="1156146"/>
-                  </a:lnTo>
-                  <a:lnTo>
-                    <a:pt x="801356" y="1181738"/>
-                  </a:lnTo>
-                  <a:lnTo>
-                    <a:pt x="868136" y="1207331"/>
-                  </a:lnTo>
-                  <a:lnTo>
-                    <a:pt x="934916" y="1232924"/>
-                  </a:lnTo>
-                  <a:lnTo>
-                    <a:pt x="1001696" y="1258517"/>
-                  </a:lnTo>
-                  <a:lnTo>
-                    <a:pt x="1068475" y="1284109"/>
-                  </a:lnTo>
-                  <a:lnTo>
-                    <a:pt x="1135255" y="1309702"/>
-                  </a:lnTo>
-                  <a:lnTo>
-                    <a:pt x="1202035" y="1335295"/>
-                  </a:lnTo>
-                  <a:lnTo>
-                    <a:pt x="1268815" y="1360888"/>
-                  </a:lnTo>
-                  <a:lnTo>
-                    <a:pt x="1335594" y="1386480"/>
-                  </a:lnTo>
-                  <a:lnTo>
-                    <a:pt x="1402374" y="1412073"/>
-                  </a:lnTo>
-                  <a:lnTo>
-                    <a:pt x="1469154" y="1437666"/>
-                  </a:lnTo>
-                  <a:lnTo>
-                    <a:pt x="1535933" y="1463259"/>
-                  </a:lnTo>
-                  <a:lnTo>
-                    <a:pt x="1602713" y="1488851"/>
-                  </a:lnTo>
-                  <a:lnTo>
-                    <a:pt x="1669493" y="1514444"/>
-                  </a:lnTo>
-                  <a:lnTo>
-                    <a:pt x="1736273" y="1540037"/>
-                  </a:lnTo>
-                  <a:lnTo>
-                    <a:pt x="1803052" y="1565630"/>
-                  </a:lnTo>
-                  <a:lnTo>
-                    <a:pt x="1869832" y="1591222"/>
+                    <a:pt x="1779694" y="1468539"/>
+                  </a:lnTo>
+                  <a:lnTo>
+                    <a:pt x="1737558" y="1416091"/>
+                  </a:lnTo>
+                  <a:lnTo>
+                    <a:pt x="1695422" y="1363644"/>
+                  </a:lnTo>
+                  <a:lnTo>
+                    <a:pt x="1653286" y="1311196"/>
+                  </a:lnTo>
+                  <a:lnTo>
+                    <a:pt x="1611150" y="1258748"/>
+                  </a:lnTo>
+                  <a:lnTo>
+                    <a:pt x="1569014" y="1206300"/>
+                  </a:lnTo>
+                  <a:lnTo>
+                    <a:pt x="1526878" y="1153852"/>
+                  </a:lnTo>
+                  <a:lnTo>
+                    <a:pt x="1484742" y="1101404"/>
+                  </a:lnTo>
+                  <a:lnTo>
+                    <a:pt x="1442606" y="1048956"/>
+                  </a:lnTo>
+                  <a:lnTo>
+                    <a:pt x="1400470" y="996509"/>
+                  </a:lnTo>
+                  <a:lnTo>
+                    <a:pt x="1358334" y="944061"/>
+                  </a:lnTo>
+                  <a:lnTo>
+                    <a:pt x="1316198" y="891613"/>
+                  </a:lnTo>
+                  <a:lnTo>
+                    <a:pt x="1274062" y="839165"/>
+                  </a:lnTo>
+                  <a:lnTo>
+                    <a:pt x="1231926" y="786717"/>
+                  </a:lnTo>
+                  <a:lnTo>
+                    <a:pt x="1189790" y="734269"/>
+                  </a:lnTo>
+                  <a:lnTo>
+                    <a:pt x="1147654" y="681822"/>
+                  </a:lnTo>
+                  <a:lnTo>
+                    <a:pt x="1105518" y="629374"/>
+                  </a:lnTo>
+                  <a:lnTo>
+                    <a:pt x="1063382" y="576926"/>
+                  </a:lnTo>
+                  <a:lnTo>
+                    <a:pt x="1021246" y="524478"/>
+                  </a:lnTo>
+                  <a:lnTo>
+                    <a:pt x="979110" y="472030"/>
+                  </a:lnTo>
+                  <a:lnTo>
+                    <a:pt x="936974" y="419582"/>
+                  </a:lnTo>
+                  <a:lnTo>
+                    <a:pt x="894838" y="367134"/>
+                  </a:lnTo>
+                  <a:lnTo>
+                    <a:pt x="852702" y="314687"/>
+                  </a:lnTo>
+                  <a:lnTo>
+                    <a:pt x="810566" y="262239"/>
+                  </a:lnTo>
+                  <a:lnTo>
+                    <a:pt x="768430" y="209791"/>
+                  </a:lnTo>
+                  <a:lnTo>
+                    <a:pt x="726294" y="157343"/>
+                  </a:lnTo>
+                  <a:lnTo>
+                    <a:pt x="684158" y="104895"/>
+                  </a:lnTo>
+                  <a:lnTo>
+                    <a:pt x="642022" y="52447"/>
+                  </a:lnTo>
+                  <a:lnTo>
+                    <a:pt x="599886" y="0"/>
+                  </a:lnTo>
+                  <a:lnTo>
+                    <a:pt x="547114" y="43947"/>
+                  </a:lnTo>
+                  <a:lnTo>
+                    <a:pt x="495921" y="89724"/>
+                  </a:lnTo>
+                  <a:lnTo>
+                    <a:pt x="446371" y="137274"/>
+                  </a:lnTo>
+                  <a:lnTo>
+                    <a:pt x="398525" y="186539"/>
+                  </a:lnTo>
+                  <a:lnTo>
+                    <a:pt x="352442" y="237457"/>
+                  </a:lnTo>
+                  <a:lnTo>
+                    <a:pt x="308180" y="289966"/>
+                  </a:lnTo>
+                  <a:lnTo>
+                    <a:pt x="265793" y="344000"/>
+                  </a:lnTo>
+                  <a:lnTo>
+                    <a:pt x="225334" y="399492"/>
+                  </a:lnTo>
+                  <a:lnTo>
+                    <a:pt x="186854" y="456373"/>
+                  </a:lnTo>
+                  <a:lnTo>
+                    <a:pt x="150399" y="514574"/>
+                  </a:lnTo>
+                  <a:lnTo>
+                    <a:pt x="116015" y="574022"/>
+                  </a:lnTo>
+                  <a:lnTo>
+                    <a:pt x="83744" y="634642"/>
+                  </a:lnTo>
+                  <a:lnTo>
+                    <a:pt x="53627" y="696361"/>
+                  </a:lnTo>
+                  <a:lnTo>
+                    <a:pt x="25700" y="759102"/>
+                  </a:lnTo>
+                  <a:lnTo>
+                    <a:pt x="0" y="822787"/>
+                  </a:lnTo>
+                  <a:lnTo>
+                    <a:pt x="62821" y="846863"/>
+                  </a:lnTo>
+                  <a:lnTo>
+                    <a:pt x="125643" y="870939"/>
+                  </a:lnTo>
+                  <a:lnTo>
+                    <a:pt x="188465" y="895015"/>
+                  </a:lnTo>
+                  <a:lnTo>
+                    <a:pt x="251286" y="919090"/>
+                  </a:lnTo>
+                  <a:lnTo>
+                    <a:pt x="314108" y="943166"/>
+                  </a:lnTo>
+                  <a:lnTo>
+                    <a:pt x="376930" y="967242"/>
+                  </a:lnTo>
+                  <a:lnTo>
+                    <a:pt x="439752" y="991318"/>
+                  </a:lnTo>
+                  <a:lnTo>
+                    <a:pt x="502573" y="1015394"/>
+                  </a:lnTo>
+                  <a:lnTo>
+                    <a:pt x="565395" y="1039470"/>
+                  </a:lnTo>
+                  <a:lnTo>
+                    <a:pt x="628217" y="1063546"/>
+                  </a:lnTo>
+                  <a:lnTo>
+                    <a:pt x="691039" y="1087621"/>
+                  </a:lnTo>
+                  <a:lnTo>
+                    <a:pt x="753860" y="1111697"/>
+                  </a:lnTo>
+                  <a:lnTo>
+                    <a:pt x="816682" y="1135773"/>
+                  </a:lnTo>
+                  <a:lnTo>
+                    <a:pt x="879504" y="1159849"/>
+                  </a:lnTo>
+                  <a:lnTo>
+                    <a:pt x="942325" y="1183925"/>
+                  </a:lnTo>
+                  <a:lnTo>
+                    <a:pt x="1005147" y="1208001"/>
+                  </a:lnTo>
+                  <a:lnTo>
+                    <a:pt x="1067969" y="1232077"/>
+                  </a:lnTo>
+                  <a:lnTo>
+                    <a:pt x="1130791" y="1256153"/>
+                  </a:lnTo>
+                  <a:lnTo>
+                    <a:pt x="1193612" y="1280228"/>
+                  </a:lnTo>
+                  <a:lnTo>
+                    <a:pt x="1256434" y="1304304"/>
+                  </a:lnTo>
+                  <a:lnTo>
+                    <a:pt x="1319256" y="1328380"/>
+                  </a:lnTo>
+                  <a:lnTo>
+                    <a:pt x="1382078" y="1352456"/>
+                  </a:lnTo>
+                  <a:lnTo>
+                    <a:pt x="1444899" y="1376532"/>
+                  </a:lnTo>
+                  <a:lnTo>
+                    <a:pt x="1507721" y="1400608"/>
+                  </a:lnTo>
+                  <a:lnTo>
+                    <a:pt x="1570543" y="1424684"/>
+                  </a:lnTo>
+                  <a:lnTo>
+                    <a:pt x="1633365" y="1448759"/>
+                  </a:lnTo>
+                  <a:lnTo>
+                    <a:pt x="1696186" y="1472835"/>
+                  </a:lnTo>
+                  <a:lnTo>
+                    <a:pt x="1759008" y="1496911"/>
                   </a:lnTo>
                   <a:close/>
                 </a:path>
@@ -5857,213 +6032,213 @@
           </p:nvSpPr>
           <p:spPr>
             <a:xfrm>
-              <a:off x="4926336" y="2146304"/>
-              <a:ext cx="1298930" cy="1950362"/>
+              <a:off x="5003323" y="2108248"/>
+              <a:ext cx="1221943" cy="1834765"/>
             </a:xfrm>
             <a:custGeom>
               <a:avLst/>
               <a:pathLst>
-                <a:path w="1298930" h="1950362">
+                <a:path w="1221943" h="1834765">
                   <a:moveTo>
-                    <a:pt x="1298930" y="1950362"/>
+                    <a:pt x="1221943" y="1834765"/>
                   </a:moveTo>
                   <a:lnTo>
-                    <a:pt x="1274610" y="1883108"/>
-                  </a:lnTo>
-                  <a:lnTo>
-                    <a:pt x="1250291" y="1815854"/>
-                  </a:lnTo>
-                  <a:lnTo>
-                    <a:pt x="1225971" y="1748600"/>
-                  </a:lnTo>
-                  <a:lnTo>
-                    <a:pt x="1201652" y="1681346"/>
-                  </a:lnTo>
-                  <a:lnTo>
-                    <a:pt x="1177332" y="1614092"/>
-                  </a:lnTo>
-                  <a:lnTo>
-                    <a:pt x="1153013" y="1546839"/>
-                  </a:lnTo>
-                  <a:lnTo>
-                    <a:pt x="1128693" y="1479585"/>
-                  </a:lnTo>
-                  <a:lnTo>
-                    <a:pt x="1104374" y="1412331"/>
-                  </a:lnTo>
-                  <a:lnTo>
-                    <a:pt x="1080054" y="1345077"/>
-                  </a:lnTo>
-                  <a:lnTo>
-                    <a:pt x="1055735" y="1277823"/>
-                  </a:lnTo>
-                  <a:lnTo>
-                    <a:pt x="1031415" y="1210569"/>
-                  </a:lnTo>
-                  <a:lnTo>
-                    <a:pt x="1007096" y="1143315"/>
-                  </a:lnTo>
-                  <a:lnTo>
-                    <a:pt x="982776" y="1076061"/>
-                  </a:lnTo>
-                  <a:lnTo>
-                    <a:pt x="958457" y="1008808"/>
-                  </a:lnTo>
-                  <a:lnTo>
-                    <a:pt x="934137" y="941554"/>
-                  </a:lnTo>
-                  <a:lnTo>
-                    <a:pt x="909818" y="874300"/>
-                  </a:lnTo>
-                  <a:lnTo>
-                    <a:pt x="885498" y="807046"/>
-                  </a:lnTo>
-                  <a:lnTo>
-                    <a:pt x="861179" y="739792"/>
-                  </a:lnTo>
-                  <a:lnTo>
-                    <a:pt x="836859" y="672538"/>
-                  </a:lnTo>
-                  <a:lnTo>
-                    <a:pt x="812540" y="605284"/>
-                  </a:lnTo>
-                  <a:lnTo>
-                    <a:pt x="788220" y="538030"/>
-                  </a:lnTo>
-                  <a:lnTo>
-                    <a:pt x="763901" y="470777"/>
-                  </a:lnTo>
-                  <a:lnTo>
-                    <a:pt x="739581" y="403523"/>
-                  </a:lnTo>
-                  <a:lnTo>
-                    <a:pt x="715262" y="336269"/>
-                  </a:lnTo>
-                  <a:lnTo>
-                    <a:pt x="690942" y="269015"/>
-                  </a:lnTo>
-                  <a:lnTo>
-                    <a:pt x="666623" y="201761"/>
-                  </a:lnTo>
-                  <a:lnTo>
-                    <a:pt x="642303" y="134507"/>
-                  </a:lnTo>
-                  <a:lnTo>
-                    <a:pt x="617984" y="67253"/>
-                  </a:lnTo>
-                  <a:lnTo>
-                    <a:pt x="593664" y="0"/>
-                  </a:lnTo>
-                  <a:lnTo>
-                    <a:pt x="522678" y="27149"/>
-                  </a:lnTo>
-                  <a:lnTo>
-                    <a:pt x="452735" y="56882"/>
-                  </a:lnTo>
-                  <a:lnTo>
-                    <a:pt x="383928" y="89157"/>
-                  </a:lnTo>
-                  <a:lnTo>
-                    <a:pt x="316349" y="123931"/>
-                  </a:lnTo>
-                  <a:lnTo>
-                    <a:pt x="250090" y="161159"/>
-                  </a:lnTo>
-                  <a:lnTo>
-                    <a:pt x="185240" y="200789"/>
-                  </a:lnTo>
-                  <a:lnTo>
-                    <a:pt x="121885" y="242768"/>
-                  </a:lnTo>
-                  <a:lnTo>
-                    <a:pt x="60110" y="287040"/>
-                  </a:lnTo>
-                  <a:lnTo>
-                    <a:pt x="0" y="333546"/>
-                  </a:lnTo>
-                  <a:lnTo>
-                    <a:pt x="44790" y="389299"/>
-                  </a:lnTo>
-                  <a:lnTo>
-                    <a:pt x="89581" y="445051"/>
-                  </a:lnTo>
-                  <a:lnTo>
-                    <a:pt x="134372" y="500803"/>
-                  </a:lnTo>
-                  <a:lnTo>
-                    <a:pt x="179162" y="556555"/>
-                  </a:lnTo>
-                  <a:lnTo>
-                    <a:pt x="223953" y="612308"/>
-                  </a:lnTo>
-                  <a:lnTo>
-                    <a:pt x="268744" y="668060"/>
-                  </a:lnTo>
-                  <a:lnTo>
-                    <a:pt x="313534" y="723812"/>
-                  </a:lnTo>
-                  <a:lnTo>
-                    <a:pt x="358325" y="779564"/>
-                  </a:lnTo>
-                  <a:lnTo>
-                    <a:pt x="403116" y="835317"/>
-                  </a:lnTo>
-                  <a:lnTo>
-                    <a:pt x="447907" y="891069"/>
-                  </a:lnTo>
-                  <a:lnTo>
-                    <a:pt x="492697" y="946821"/>
-                  </a:lnTo>
-                  <a:lnTo>
-                    <a:pt x="537488" y="1002573"/>
-                  </a:lnTo>
-                  <a:lnTo>
-                    <a:pt x="582279" y="1058326"/>
-                  </a:lnTo>
-                  <a:lnTo>
-                    <a:pt x="627069" y="1114078"/>
-                  </a:lnTo>
-                  <a:lnTo>
-                    <a:pt x="671860" y="1169830"/>
-                  </a:lnTo>
-                  <a:lnTo>
-                    <a:pt x="716651" y="1225582"/>
-                  </a:lnTo>
-                  <a:lnTo>
-                    <a:pt x="761441" y="1281335"/>
-                  </a:lnTo>
-                  <a:lnTo>
-                    <a:pt x="806232" y="1337087"/>
-                  </a:lnTo>
-                  <a:lnTo>
-                    <a:pt x="851023" y="1392839"/>
-                  </a:lnTo>
-                  <a:lnTo>
-                    <a:pt x="895814" y="1448591"/>
-                  </a:lnTo>
-                  <a:lnTo>
-                    <a:pt x="940604" y="1504344"/>
-                  </a:lnTo>
-                  <a:lnTo>
-                    <a:pt x="985395" y="1560096"/>
-                  </a:lnTo>
-                  <a:lnTo>
-                    <a:pt x="1030186" y="1615848"/>
-                  </a:lnTo>
-                  <a:lnTo>
-                    <a:pt x="1074976" y="1671601"/>
-                  </a:lnTo>
-                  <a:lnTo>
-                    <a:pt x="1119767" y="1727353"/>
-                  </a:lnTo>
-                  <a:lnTo>
-                    <a:pt x="1164558" y="1783105"/>
-                  </a:lnTo>
-                  <a:lnTo>
-                    <a:pt x="1209348" y="1838857"/>
-                  </a:lnTo>
-                  <a:lnTo>
-                    <a:pt x="1254139" y="1894610"/>
+                    <a:pt x="1199065" y="1771497"/>
+                  </a:lnTo>
+                  <a:lnTo>
+                    <a:pt x="1176187" y="1708229"/>
+                  </a:lnTo>
+                  <a:lnTo>
+                    <a:pt x="1153309" y="1644961"/>
+                  </a:lnTo>
+                  <a:lnTo>
+                    <a:pt x="1130430" y="1581694"/>
+                  </a:lnTo>
+                  <a:lnTo>
+                    <a:pt x="1107552" y="1518426"/>
+                  </a:lnTo>
+                  <a:lnTo>
+                    <a:pt x="1084674" y="1455158"/>
+                  </a:lnTo>
+                  <a:lnTo>
+                    <a:pt x="1061796" y="1391890"/>
+                  </a:lnTo>
+                  <a:lnTo>
+                    <a:pt x="1038918" y="1328623"/>
+                  </a:lnTo>
+                  <a:lnTo>
+                    <a:pt x="1016040" y="1265355"/>
+                  </a:lnTo>
+                  <a:lnTo>
+                    <a:pt x="993162" y="1202087"/>
+                  </a:lnTo>
+                  <a:lnTo>
+                    <a:pt x="970284" y="1138819"/>
+                  </a:lnTo>
+                  <a:lnTo>
+                    <a:pt x="947406" y="1075551"/>
+                  </a:lnTo>
+                  <a:lnTo>
+                    <a:pt x="924528" y="1012284"/>
+                  </a:lnTo>
+                  <a:lnTo>
+                    <a:pt x="901649" y="949016"/>
+                  </a:lnTo>
+                  <a:lnTo>
+                    <a:pt x="878771" y="885748"/>
+                  </a:lnTo>
+                  <a:lnTo>
+                    <a:pt x="855893" y="822480"/>
+                  </a:lnTo>
+                  <a:lnTo>
+                    <a:pt x="833015" y="759213"/>
+                  </a:lnTo>
+                  <a:lnTo>
+                    <a:pt x="810137" y="695945"/>
+                  </a:lnTo>
+                  <a:lnTo>
+                    <a:pt x="787259" y="632677"/>
+                  </a:lnTo>
+                  <a:lnTo>
+                    <a:pt x="764381" y="569409"/>
+                  </a:lnTo>
+                  <a:lnTo>
+                    <a:pt x="741503" y="506142"/>
+                  </a:lnTo>
+                  <a:lnTo>
+                    <a:pt x="718625" y="442874"/>
+                  </a:lnTo>
+                  <a:lnTo>
+                    <a:pt x="695747" y="379606"/>
+                  </a:lnTo>
+                  <a:lnTo>
+                    <a:pt x="672868" y="316338"/>
+                  </a:lnTo>
+                  <a:lnTo>
+                    <a:pt x="649990" y="253071"/>
+                  </a:lnTo>
+                  <a:lnTo>
+                    <a:pt x="627112" y="189803"/>
+                  </a:lnTo>
+                  <a:lnTo>
+                    <a:pt x="604234" y="126535"/>
+                  </a:lnTo>
+                  <a:lnTo>
+                    <a:pt x="581356" y="63267"/>
+                  </a:lnTo>
+                  <a:lnTo>
+                    <a:pt x="558478" y="0"/>
+                  </a:lnTo>
+                  <a:lnTo>
+                    <a:pt x="491699" y="25540"/>
+                  </a:lnTo>
+                  <a:lnTo>
+                    <a:pt x="425901" y="53510"/>
+                  </a:lnTo>
+                  <a:lnTo>
+                    <a:pt x="361172" y="83873"/>
+                  </a:lnTo>
+                  <a:lnTo>
+                    <a:pt x="297599" y="116586"/>
+                  </a:lnTo>
+                  <a:lnTo>
+                    <a:pt x="235267" y="151607"/>
+                  </a:lnTo>
+                  <a:lnTo>
+                    <a:pt x="174261" y="188888"/>
+                  </a:lnTo>
+                  <a:lnTo>
+                    <a:pt x="114661" y="228379"/>
+                  </a:lnTo>
+                  <a:lnTo>
+                    <a:pt x="56548" y="270027"/>
+                  </a:lnTo>
+                  <a:lnTo>
+                    <a:pt x="0" y="313777"/>
+                  </a:lnTo>
+                  <a:lnTo>
+                    <a:pt x="42135" y="366225"/>
+                  </a:lnTo>
+                  <a:lnTo>
+                    <a:pt x="84271" y="418673"/>
+                  </a:lnTo>
+                  <a:lnTo>
+                    <a:pt x="126407" y="471121"/>
+                  </a:lnTo>
+                  <a:lnTo>
+                    <a:pt x="168543" y="523568"/>
+                  </a:lnTo>
+                  <a:lnTo>
+                    <a:pt x="210679" y="576016"/>
+                  </a:lnTo>
+                  <a:lnTo>
+                    <a:pt x="252815" y="628464"/>
+                  </a:lnTo>
+                  <a:lnTo>
+                    <a:pt x="294951" y="680912"/>
+                  </a:lnTo>
+                  <a:lnTo>
+                    <a:pt x="337087" y="733360"/>
+                  </a:lnTo>
+                  <a:lnTo>
+                    <a:pt x="379223" y="785808"/>
+                  </a:lnTo>
+                  <a:lnTo>
+                    <a:pt x="421359" y="838256"/>
+                  </a:lnTo>
+                  <a:lnTo>
+                    <a:pt x="463495" y="890703"/>
+                  </a:lnTo>
+                  <a:lnTo>
+                    <a:pt x="505631" y="943151"/>
+                  </a:lnTo>
+                  <a:lnTo>
+                    <a:pt x="547767" y="995599"/>
+                  </a:lnTo>
+                  <a:lnTo>
+                    <a:pt x="589903" y="1048047"/>
+                  </a:lnTo>
+                  <a:lnTo>
+                    <a:pt x="632039" y="1100495"/>
+                  </a:lnTo>
+                  <a:lnTo>
+                    <a:pt x="674175" y="1152943"/>
+                  </a:lnTo>
+                  <a:lnTo>
+                    <a:pt x="716311" y="1205390"/>
+                  </a:lnTo>
+                  <a:lnTo>
+                    <a:pt x="758447" y="1257838"/>
+                  </a:lnTo>
+                  <a:lnTo>
+                    <a:pt x="800583" y="1310286"/>
+                  </a:lnTo>
+                  <a:lnTo>
+                    <a:pt x="842719" y="1362734"/>
+                  </a:lnTo>
+                  <a:lnTo>
+                    <a:pt x="884855" y="1415182"/>
+                  </a:lnTo>
+                  <a:lnTo>
+                    <a:pt x="926991" y="1467630"/>
+                  </a:lnTo>
+                  <a:lnTo>
+                    <a:pt x="969127" y="1520078"/>
+                  </a:lnTo>
+                  <a:lnTo>
+                    <a:pt x="1011263" y="1572525"/>
+                  </a:lnTo>
+                  <a:lnTo>
+                    <a:pt x="1053399" y="1624973"/>
+                  </a:lnTo>
+                  <a:lnTo>
+                    <a:pt x="1095535" y="1677421"/>
+                  </a:lnTo>
+                  <a:lnTo>
+                    <a:pt x="1137671" y="1729869"/>
+                  </a:lnTo>
+                  <a:lnTo>
+                    <a:pt x="1179807" y="1782317"/>
                   </a:lnTo>
                   <a:close/>
                 </a:path>
@@ -6098,216 +6273,216 @@
           </p:nvSpPr>
           <p:spPr>
             <a:xfrm>
-              <a:off x="5520000" y="2022706"/>
-              <a:ext cx="705265" cy="2073960"/>
+              <a:off x="5561801" y="1991975"/>
+              <a:ext cx="663464" cy="1951037"/>
             </a:xfrm>
             <a:custGeom>
               <a:avLst/>
               <a:pathLst>
-                <a:path w="705265" h="2073960">
+                <a:path w="663464" h="1951037">
                   <a:moveTo>
-                    <a:pt x="705265" y="2073960"/>
+                    <a:pt x="663464" y="1951037"/>
                   </a:moveTo>
                   <a:lnTo>
-                    <a:pt x="705265" y="2002444"/>
-                  </a:lnTo>
-                  <a:lnTo>
-                    <a:pt x="705265" y="1930928"/>
-                  </a:lnTo>
-                  <a:lnTo>
-                    <a:pt x="705265" y="1859412"/>
-                  </a:lnTo>
-                  <a:lnTo>
-                    <a:pt x="705265" y="1787897"/>
-                  </a:lnTo>
-                  <a:lnTo>
-                    <a:pt x="705265" y="1716381"/>
-                  </a:lnTo>
-                  <a:lnTo>
-                    <a:pt x="705265" y="1644865"/>
-                  </a:lnTo>
-                  <a:lnTo>
-                    <a:pt x="705265" y="1573349"/>
-                  </a:lnTo>
-                  <a:lnTo>
-                    <a:pt x="705265" y="1501833"/>
-                  </a:lnTo>
-                  <a:lnTo>
-                    <a:pt x="705265" y="1430317"/>
-                  </a:lnTo>
-                  <a:lnTo>
-                    <a:pt x="705265" y="1358801"/>
-                  </a:lnTo>
-                  <a:lnTo>
-                    <a:pt x="705265" y="1287285"/>
-                  </a:lnTo>
-                  <a:lnTo>
-                    <a:pt x="705265" y="1215770"/>
-                  </a:lnTo>
-                  <a:lnTo>
-                    <a:pt x="705265" y="1144254"/>
-                  </a:lnTo>
-                  <a:lnTo>
-                    <a:pt x="705265" y="1072738"/>
-                  </a:lnTo>
-                  <a:lnTo>
-                    <a:pt x="705265" y="1001222"/>
-                  </a:lnTo>
-                  <a:lnTo>
-                    <a:pt x="705265" y="929706"/>
-                  </a:lnTo>
-                  <a:lnTo>
-                    <a:pt x="705265" y="858190"/>
-                  </a:lnTo>
-                  <a:lnTo>
-                    <a:pt x="705265" y="786674"/>
-                  </a:lnTo>
-                  <a:lnTo>
-                    <a:pt x="705265" y="715158"/>
-                  </a:lnTo>
-                  <a:lnTo>
-                    <a:pt x="705265" y="643642"/>
-                  </a:lnTo>
-                  <a:lnTo>
-                    <a:pt x="705265" y="572127"/>
-                  </a:lnTo>
-                  <a:lnTo>
-                    <a:pt x="705265" y="500611"/>
-                  </a:lnTo>
-                  <a:lnTo>
-                    <a:pt x="705265" y="429095"/>
-                  </a:lnTo>
-                  <a:lnTo>
-                    <a:pt x="705265" y="357579"/>
-                  </a:lnTo>
-                  <a:lnTo>
-                    <a:pt x="705265" y="286063"/>
-                  </a:lnTo>
-                  <a:lnTo>
-                    <a:pt x="705265" y="214547"/>
-                  </a:lnTo>
-                  <a:lnTo>
-                    <a:pt x="705265" y="143031"/>
-                  </a:lnTo>
-                  <a:lnTo>
-                    <a:pt x="705265" y="71515"/>
-                  </a:lnTo>
-                  <a:lnTo>
-                    <a:pt x="705265" y="0"/>
-                  </a:lnTo>
-                  <a:lnTo>
-                    <a:pt x="633318" y="1248"/>
-                  </a:lnTo>
-                  <a:lnTo>
-                    <a:pt x="561457" y="4991"/>
-                  </a:lnTo>
-                  <a:lnTo>
-                    <a:pt x="489769" y="11225"/>
-                  </a:lnTo>
-                  <a:lnTo>
-                    <a:pt x="418341" y="19943"/>
-                  </a:lnTo>
-                  <a:lnTo>
-                    <a:pt x="347258" y="31133"/>
-                  </a:lnTo>
-                  <a:lnTo>
-                    <a:pt x="276606" y="44782"/>
-                  </a:lnTo>
-                  <a:lnTo>
-                    <a:pt x="206470" y="60874"/>
-                  </a:lnTo>
-                  <a:lnTo>
-                    <a:pt x="136935" y="79389"/>
-                  </a:lnTo>
-                  <a:lnTo>
-                    <a:pt x="68084" y="100306"/>
-                  </a:lnTo>
-                  <a:lnTo>
-                    <a:pt x="0" y="123598"/>
-                  </a:lnTo>
-                  <a:lnTo>
-                    <a:pt x="24319" y="190852"/>
-                  </a:lnTo>
-                  <a:lnTo>
-                    <a:pt x="48639" y="258106"/>
-                  </a:lnTo>
-                  <a:lnTo>
-                    <a:pt x="72958" y="325359"/>
-                  </a:lnTo>
-                  <a:lnTo>
-                    <a:pt x="97278" y="392613"/>
-                  </a:lnTo>
-                  <a:lnTo>
-                    <a:pt x="121597" y="459867"/>
-                  </a:lnTo>
-                  <a:lnTo>
-                    <a:pt x="145917" y="527121"/>
-                  </a:lnTo>
-                  <a:lnTo>
-                    <a:pt x="170236" y="594375"/>
-                  </a:lnTo>
-                  <a:lnTo>
-                    <a:pt x="194556" y="661629"/>
-                  </a:lnTo>
-                  <a:lnTo>
-                    <a:pt x="218875" y="728883"/>
-                  </a:lnTo>
-                  <a:lnTo>
-                    <a:pt x="243195" y="796137"/>
-                  </a:lnTo>
-                  <a:lnTo>
-                    <a:pt x="267514" y="863390"/>
-                  </a:lnTo>
-                  <a:lnTo>
-                    <a:pt x="291834" y="930644"/>
-                  </a:lnTo>
-                  <a:lnTo>
-                    <a:pt x="316153" y="997898"/>
-                  </a:lnTo>
-                  <a:lnTo>
-                    <a:pt x="340473" y="1065152"/>
-                  </a:lnTo>
-                  <a:lnTo>
-                    <a:pt x="364792" y="1132406"/>
-                  </a:lnTo>
-                  <a:lnTo>
-                    <a:pt x="389112" y="1199660"/>
-                  </a:lnTo>
-                  <a:lnTo>
-                    <a:pt x="413431" y="1266914"/>
-                  </a:lnTo>
-                  <a:lnTo>
-                    <a:pt x="437751" y="1334168"/>
-                  </a:lnTo>
-                  <a:lnTo>
-                    <a:pt x="462070" y="1401421"/>
-                  </a:lnTo>
-                  <a:lnTo>
-                    <a:pt x="486390" y="1468675"/>
-                  </a:lnTo>
-                  <a:lnTo>
-                    <a:pt x="510709" y="1535929"/>
-                  </a:lnTo>
-                  <a:lnTo>
-                    <a:pt x="535029" y="1603183"/>
-                  </a:lnTo>
-                  <a:lnTo>
-                    <a:pt x="559348" y="1670437"/>
-                  </a:lnTo>
-                  <a:lnTo>
-                    <a:pt x="583668" y="1737691"/>
-                  </a:lnTo>
-                  <a:lnTo>
-                    <a:pt x="607987" y="1804945"/>
-                  </a:lnTo>
-                  <a:lnTo>
-                    <a:pt x="632307" y="1872199"/>
-                  </a:lnTo>
-                  <a:lnTo>
-                    <a:pt x="656626" y="1939452"/>
-                  </a:lnTo>
-                  <a:lnTo>
-                    <a:pt x="680946" y="2006706"/>
+                    <a:pt x="663464" y="1883760"/>
+                  </a:lnTo>
+                  <a:lnTo>
+                    <a:pt x="663464" y="1816483"/>
+                  </a:lnTo>
+                  <a:lnTo>
+                    <a:pt x="663464" y="1749206"/>
+                  </a:lnTo>
+                  <a:lnTo>
+                    <a:pt x="663464" y="1681929"/>
+                  </a:lnTo>
+                  <a:lnTo>
+                    <a:pt x="663464" y="1614652"/>
+                  </a:lnTo>
+                  <a:lnTo>
+                    <a:pt x="663464" y="1547374"/>
+                  </a:lnTo>
+                  <a:lnTo>
+                    <a:pt x="663464" y="1480097"/>
+                  </a:lnTo>
+                  <a:lnTo>
+                    <a:pt x="663464" y="1412820"/>
+                  </a:lnTo>
+                  <a:lnTo>
+                    <a:pt x="663464" y="1345543"/>
+                  </a:lnTo>
+                  <a:lnTo>
+                    <a:pt x="663464" y="1278266"/>
+                  </a:lnTo>
+                  <a:lnTo>
+                    <a:pt x="663464" y="1210989"/>
+                  </a:lnTo>
+                  <a:lnTo>
+                    <a:pt x="663464" y="1143711"/>
+                  </a:lnTo>
+                  <a:lnTo>
+                    <a:pt x="663464" y="1076434"/>
+                  </a:lnTo>
+                  <a:lnTo>
+                    <a:pt x="663464" y="1009157"/>
+                  </a:lnTo>
+                  <a:lnTo>
+                    <a:pt x="663464" y="941880"/>
+                  </a:lnTo>
+                  <a:lnTo>
+                    <a:pt x="663464" y="874603"/>
+                  </a:lnTo>
+                  <a:lnTo>
+                    <a:pt x="663464" y="807326"/>
+                  </a:lnTo>
+                  <a:lnTo>
+                    <a:pt x="663464" y="740048"/>
+                  </a:lnTo>
+                  <a:lnTo>
+                    <a:pt x="663464" y="672771"/>
+                  </a:lnTo>
+                  <a:lnTo>
+                    <a:pt x="663464" y="605494"/>
+                  </a:lnTo>
+                  <a:lnTo>
+                    <a:pt x="663464" y="538217"/>
+                  </a:lnTo>
+                  <a:lnTo>
+                    <a:pt x="663464" y="470940"/>
+                  </a:lnTo>
+                  <a:lnTo>
+                    <a:pt x="663464" y="403663"/>
+                  </a:lnTo>
+                  <a:lnTo>
+                    <a:pt x="663464" y="336385"/>
+                  </a:lnTo>
+                  <a:lnTo>
+                    <a:pt x="663464" y="269108"/>
+                  </a:lnTo>
+                  <a:lnTo>
+                    <a:pt x="663464" y="201831"/>
+                  </a:lnTo>
+                  <a:lnTo>
+                    <a:pt x="663464" y="134554"/>
+                  </a:lnTo>
+                  <a:lnTo>
+                    <a:pt x="663464" y="67277"/>
+                  </a:lnTo>
+                  <a:lnTo>
+                    <a:pt x="663464" y="0"/>
+                  </a:lnTo>
+                  <a:lnTo>
+                    <a:pt x="595781" y="1174"/>
+                  </a:lnTo>
+                  <a:lnTo>
+                    <a:pt x="528180" y="4695"/>
+                  </a:lnTo>
+                  <a:lnTo>
+                    <a:pt x="460741" y="10560"/>
+                  </a:lnTo>
+                  <a:lnTo>
+                    <a:pt x="393546" y="18761"/>
+                  </a:lnTo>
+                  <a:lnTo>
+                    <a:pt x="326676" y="29288"/>
+                  </a:lnTo>
+                  <a:lnTo>
+                    <a:pt x="260212" y="42128"/>
+                  </a:lnTo>
+                  <a:lnTo>
+                    <a:pt x="194233" y="57266"/>
+                  </a:lnTo>
+                  <a:lnTo>
+                    <a:pt x="128819" y="74684"/>
+                  </a:lnTo>
+                  <a:lnTo>
+                    <a:pt x="64048" y="94360"/>
+                  </a:lnTo>
+                  <a:lnTo>
+                    <a:pt x="0" y="116272"/>
+                  </a:lnTo>
+                  <a:lnTo>
+                    <a:pt x="22878" y="179540"/>
+                  </a:lnTo>
+                  <a:lnTo>
+                    <a:pt x="45756" y="242808"/>
+                  </a:lnTo>
+                  <a:lnTo>
+                    <a:pt x="68634" y="306076"/>
+                  </a:lnTo>
+                  <a:lnTo>
+                    <a:pt x="91512" y="369343"/>
+                  </a:lnTo>
+                  <a:lnTo>
+                    <a:pt x="114390" y="432611"/>
+                  </a:lnTo>
+                  <a:lnTo>
+                    <a:pt x="137268" y="495879"/>
+                  </a:lnTo>
+                  <a:lnTo>
+                    <a:pt x="160146" y="559147"/>
+                  </a:lnTo>
+                  <a:lnTo>
+                    <a:pt x="183024" y="622414"/>
+                  </a:lnTo>
+                  <a:lnTo>
+                    <a:pt x="205902" y="685682"/>
+                  </a:lnTo>
+                  <a:lnTo>
+                    <a:pt x="228780" y="748950"/>
+                  </a:lnTo>
+                  <a:lnTo>
+                    <a:pt x="251659" y="812218"/>
+                  </a:lnTo>
+                  <a:lnTo>
+                    <a:pt x="274537" y="875485"/>
+                  </a:lnTo>
+                  <a:lnTo>
+                    <a:pt x="297415" y="938753"/>
+                  </a:lnTo>
+                  <a:lnTo>
+                    <a:pt x="320293" y="1002021"/>
+                  </a:lnTo>
+                  <a:lnTo>
+                    <a:pt x="343171" y="1065289"/>
+                  </a:lnTo>
+                  <a:lnTo>
+                    <a:pt x="366049" y="1128556"/>
+                  </a:lnTo>
+                  <a:lnTo>
+                    <a:pt x="388927" y="1191824"/>
+                  </a:lnTo>
+                  <a:lnTo>
+                    <a:pt x="411805" y="1255092"/>
+                  </a:lnTo>
+                  <a:lnTo>
+                    <a:pt x="434683" y="1318360"/>
+                  </a:lnTo>
+                  <a:lnTo>
+                    <a:pt x="457561" y="1381628"/>
+                  </a:lnTo>
+                  <a:lnTo>
+                    <a:pt x="480440" y="1444895"/>
+                  </a:lnTo>
+                  <a:lnTo>
+                    <a:pt x="503318" y="1508163"/>
+                  </a:lnTo>
+                  <a:lnTo>
+                    <a:pt x="526196" y="1571431"/>
+                  </a:lnTo>
+                  <a:lnTo>
+                    <a:pt x="549074" y="1634699"/>
+                  </a:lnTo>
+                  <a:lnTo>
+                    <a:pt x="571952" y="1697966"/>
+                  </a:lnTo>
+                  <a:lnTo>
+                    <a:pt x="594830" y="1761234"/>
+                  </a:lnTo>
+                  <a:lnTo>
+                    <a:pt x="617708" y="1824502"/>
+                  </a:lnTo>
+                  <a:lnTo>
+                    <a:pt x="640586" y="1887770"/>
                   </a:lnTo>
                   <a:close/>
                 </a:path>
@@ -6342,7 +6517,7 @@
           </p:nvSpPr>
           <p:spPr>
             <a:xfrm>
-              <a:off x="6155404" y="3448796"/>
+              <a:off x="6148054" y="3328487"/>
               <a:ext cx="387771" cy="167096"/>
             </a:xfrm>
             <a:prstGeom prst="rect">
@@ -6388,7 +6563,7 @@
           </p:nvSpPr>
           <p:spPr>
             <a:xfrm>
-              <a:off x="6358590" y="3587909"/>
+              <a:off x="6326203" y="3459355"/>
               <a:ext cx="826219" cy="167096"/>
             </a:xfrm>
             <a:prstGeom prst="rect">
@@ -6434,7 +6609,7 @@
           </p:nvSpPr>
           <p:spPr>
             <a:xfrm>
-              <a:off x="6467558" y="4481448"/>
+              <a:off x="6428712" y="4299934"/>
               <a:ext cx="826219" cy="167096"/>
             </a:xfrm>
             <a:prstGeom prst="rect">
@@ -6480,7 +6655,7 @@
           </p:nvSpPr>
           <p:spPr>
             <a:xfrm>
-              <a:off x="5342479" y="4804512"/>
+              <a:off x="5370317" y="4603850"/>
               <a:ext cx="826219" cy="167096"/>
             </a:xfrm>
             <a:prstGeom prst="rect">
@@ -6526,7 +6701,7 @@
           </p:nvSpPr>
           <p:spPr>
             <a:xfrm>
-              <a:off x="4775187" y="4006644"/>
+              <a:off x="4836648" y="3853272"/>
               <a:ext cx="826219" cy="167096"/>
             </a:xfrm>
             <a:prstGeom prst="rect">
@@ -6572,7 +6747,7 @@
           </p:nvSpPr>
           <p:spPr>
             <a:xfrm>
-              <a:off x="4881136" y="3332589"/>
+              <a:off x="4936318" y="3219168"/>
               <a:ext cx="826219" cy="167096"/>
             </a:xfrm>
             <a:prstGeom prst="rect">
@@ -6618,7 +6793,7 @@
           </p:nvSpPr>
           <p:spPr>
             <a:xfrm>
-              <a:off x="5191340" y="2906425"/>
+              <a:off x="5228136" y="2818263"/>
               <a:ext cx="826219" cy="167096"/>
             </a:xfrm>
             <a:prstGeom prst="rect">
@@ -6664,7 +6839,7 @@
           </p:nvSpPr>
           <p:spPr>
             <a:xfrm>
-              <a:off x="5675284" y="2533587"/>
+              <a:off x="5689429" y="2460651"/>
               <a:ext cx="622622" cy="166427"/>
             </a:xfrm>
             <a:prstGeom prst="rect">
@@ -6710,7 +6885,7 @@
           </p:nvSpPr>
           <p:spPr>
             <a:xfrm>
-              <a:off x="5859458" y="2766089"/>
+              <a:off x="5873604" y="2693154"/>
               <a:ext cx="254272" cy="167096"/>
             </a:xfrm>
             <a:prstGeom prst="rect">
@@ -6756,7 +6931,7 @@
           </p:nvSpPr>
           <p:spPr>
             <a:xfrm>
-              <a:off x="6060067" y="1672824"/>
+              <a:off x="6060067" y="1657459"/>
               <a:ext cx="330398" cy="172454"/>
             </a:xfrm>
             <a:prstGeom prst="rect">
@@ -6802,7 +6977,7 @@
           </p:nvSpPr>
           <p:spPr>
             <a:xfrm>
-              <a:off x="7367923" y="2118427"/>
+              <a:off x="7286639" y="2076651"/>
               <a:ext cx="457534" cy="172454"/>
             </a:xfrm>
             <a:prstGeom prst="rect">
@@ -6848,7 +7023,7 @@
           </p:nvSpPr>
           <p:spPr>
             <a:xfrm>
-              <a:off x="7966489" y="2755836"/>
+              <a:off x="7849729" y="2676281"/>
               <a:ext cx="457534" cy="172454"/>
             </a:xfrm>
             <a:prstGeom prst="rect">
@@ -6894,7 +7069,7 @@
           </p:nvSpPr>
           <p:spPr>
             <a:xfrm>
-              <a:off x="8288377" y="3568831"/>
+              <a:off x="8152538" y="3441090"/>
               <a:ext cx="457534" cy="172454"/>
             </a:xfrm>
             <a:prstGeom prst="rect">
@@ -6940,7 +7115,7 @@
           </p:nvSpPr>
           <p:spPr>
             <a:xfrm>
-              <a:off x="8256402" y="4586275"/>
+              <a:off x="8122459" y="4398230"/>
               <a:ext cx="457534" cy="172454"/>
             </a:xfrm>
             <a:prstGeom prst="rect">
@@ -6986,7 +7161,7 @@
           </p:nvSpPr>
           <p:spPr>
             <a:xfrm>
-              <a:off x="7593688" y="5706864"/>
+              <a:off x="7499023" y="5452403"/>
               <a:ext cx="457534" cy="172454"/>
             </a:xfrm>
             <a:prstGeom prst="rect">
@@ -7032,7 +7207,7 @@
           </p:nvSpPr>
           <p:spPr>
             <a:xfrm>
-              <a:off x="6288927" y="6320838"/>
+              <a:off x="6271595" y="6029987"/>
               <a:ext cx="457534" cy="172454"/>
             </a:xfrm>
             <a:prstGeom prst="rect">
@@ -7078,7 +7253,7 @@
           </p:nvSpPr>
           <p:spPr>
             <a:xfrm>
-              <a:off x="4625075" y="5893633"/>
+              <a:off x="4706358" y="5628102"/>
               <a:ext cx="457534" cy="172454"/>
             </a:xfrm>
             <a:prstGeom prst="rect">
@@ -7124,7 +7299,7 @@
           </p:nvSpPr>
           <p:spPr>
             <a:xfrm>
-              <a:off x="3704620" y="4443229"/>
+              <a:off x="3840459" y="4263663"/>
               <a:ext cx="457534" cy="172454"/>
             </a:xfrm>
             <a:prstGeom prst="rect">
@@ -7170,7 +7345,7 @@
           </p:nvSpPr>
           <p:spPr>
             <a:xfrm>
-              <a:off x="3885351" y="3012599"/>
+              <a:off x="4010478" y="2917826"/>
               <a:ext cx="457534" cy="172454"/>
             </a:xfrm>
             <a:prstGeom prst="rect">
@@ -7216,7 +7391,7 @@
           </p:nvSpPr>
           <p:spPr>
             <a:xfrm>
-              <a:off x="4399309" y="2305196"/>
+              <a:off x="4493974" y="2252350"/>
               <a:ext cx="457534" cy="172454"/>
             </a:xfrm>
             <a:prstGeom prst="rect">
@@ -7250,6 +7425,52 @@
                   <a:cs typeface="Arial"/>
                 </a:rPr>
                 <a:t>88%</a:t>
+              </a:r>
+            </a:p>
+          </p:txBody>
+        </p:sp>
+        <p:sp>
+          <p:nvSpPr>
+            <p:cNvPr id="36" name="tx34"/>
+            <p:cNvSpPr/>
+            <p:nvPr/>
+          </p:nvSpPr>
+          <p:spPr>
+            <a:xfrm>
+              <a:off x="3729532" y="6695431"/>
+              <a:ext cx="2094457" cy="117580"/>
+            </a:xfrm>
+            <a:prstGeom prst="rect">
+              <a:avLst/>
+            </a:prstGeom>
+            <a:noFill/>
+          </p:spPr>
+          <p:txBody>
+            <a:bodyPr lIns="0" rIns="0" tIns="0" bIns="0" anchorCtr="1" anchor="ctr" wrap="none"/>
+            <a:lstStyle/>
+            <a:p>
+              <a:pPr algn="l" marL="0" marR="0" indent="0">
+                <a:lnSpc>
+                  <a:spcPts val="999"/>
+                </a:lnSpc>
+                <a:spcBef>
+                  <a:spcPts val="0"/>
+                </a:spcBef>
+                <a:spcAft>
+                  <a:spcPts val="0"/>
+                </a:spcAft>
+              </a:pPr>
+              <a:r>
+                <a:rPr sz="999" i="1">
+                  <a:solidFill>
+                    <a:srgbClr val="000000">
+                      <a:alpha val="100000"/>
+                    </a:srgbClr>
+                  </a:solidFill>
+                  <a:latin typeface="Arial"/>
+                  <a:cs typeface="Arial"/>
+                </a:rPr>
+                <a:t>Source: ATO 2017-18 2% sample file</a:t>
               </a:r>
             </a:p>
           </p:txBody>
